--- a/vocabulary/SpecimentTypeDecisionTree.pptx
+++ b/vocabulary/SpecimentTypeDecisionTree.pptx
@@ -2,12 +2,12 @@
 <file path=ppt/presentation.xml><?xml version="1.0" encoding="utf-8"?>
 <p:presentation xmlns:a="http://schemas.openxmlformats.org/drawingml/2006/main" xmlns:r="http://schemas.openxmlformats.org/officeDocument/2006/relationships" xmlns:p="http://schemas.openxmlformats.org/presentationml/2006/main" saveSubsetFonts="1">
   <p:sldMasterIdLst>
-    <p:sldMasterId id="2147483660" r:id="rId1"/>
+    <p:sldMasterId id="2147483684" r:id="rId1"/>
   </p:sldMasterIdLst>
   <p:sldIdLst>
     <p:sldId id="256" r:id="rId2"/>
   </p:sldIdLst>
-  <p:sldSz cx="12192000" cy="8229600"/>
+  <p:sldSz cx="14630400" cy="10972800"/>
   <p:notesSz cx="6858000" cy="9144000"/>
   <p:defaultTextStyle>
     <a:defPPr>
@@ -141,15 +141,15 @@
         </p:nvSpPr>
         <p:spPr>
           <a:xfrm>
-            <a:off x="914400" y="1346836"/>
-            <a:ext cx="10363200" cy="2865120"/>
+            <a:off x="1097280" y="1795781"/>
+            <a:ext cx="12435840" cy="3820160"/>
           </a:xfrm>
         </p:spPr>
         <p:txBody>
           <a:bodyPr anchor="b"/>
           <a:lstStyle>
             <a:lvl1pPr algn="ctr">
-              <a:defRPr sz="7200"/>
+              <a:defRPr sz="9600"/>
             </a:lvl1pPr>
           </a:lstStyle>
           <a:p>
@@ -173,8 +173,8 @@
         </p:nvSpPr>
         <p:spPr>
           <a:xfrm>
-            <a:off x="1524000" y="4322446"/>
-            <a:ext cx="9144000" cy="1986914"/>
+            <a:off x="1828800" y="5763261"/>
+            <a:ext cx="10972800" cy="2649219"/>
           </a:xfrm>
         </p:spPr>
         <p:txBody>
@@ -182,39 +182,39 @@
           <a:lstStyle>
             <a:lvl1pPr marL="0" indent="0" algn="ctr">
               <a:buNone/>
+              <a:defRPr sz="3840"/>
+            </a:lvl1pPr>
+            <a:lvl2pPr marL="731520" indent="0" algn="ctr">
+              <a:buNone/>
+              <a:defRPr sz="3200"/>
+            </a:lvl2pPr>
+            <a:lvl3pPr marL="1463040" indent="0" algn="ctr">
+              <a:buNone/>
               <a:defRPr sz="2880"/>
-            </a:lvl1pPr>
-            <a:lvl2pPr marL="548640" indent="0" algn="ctr">
+            </a:lvl3pPr>
+            <a:lvl4pPr marL="2194560" indent="0" algn="ctr">
               <a:buNone/>
-              <a:defRPr sz="2400"/>
-            </a:lvl2pPr>
-            <a:lvl3pPr marL="1097280" indent="0" algn="ctr">
+              <a:defRPr sz="2560"/>
+            </a:lvl4pPr>
+            <a:lvl5pPr marL="2926080" indent="0" algn="ctr">
               <a:buNone/>
-              <a:defRPr sz="2160"/>
-            </a:lvl3pPr>
-            <a:lvl4pPr marL="1645920" indent="0" algn="ctr">
+              <a:defRPr sz="2560"/>
+            </a:lvl5pPr>
+            <a:lvl6pPr marL="3657600" indent="0" algn="ctr">
               <a:buNone/>
-              <a:defRPr sz="1920"/>
-            </a:lvl4pPr>
-            <a:lvl5pPr marL="2194560" indent="0" algn="ctr">
+              <a:defRPr sz="2560"/>
+            </a:lvl6pPr>
+            <a:lvl7pPr marL="4389120" indent="0" algn="ctr">
               <a:buNone/>
-              <a:defRPr sz="1920"/>
-            </a:lvl5pPr>
-            <a:lvl6pPr marL="2743200" indent="0" algn="ctr">
+              <a:defRPr sz="2560"/>
+            </a:lvl7pPr>
+            <a:lvl8pPr marL="5120640" indent="0" algn="ctr">
               <a:buNone/>
-              <a:defRPr sz="1920"/>
-            </a:lvl6pPr>
-            <a:lvl7pPr marL="3291840" indent="0" algn="ctr">
+              <a:defRPr sz="2560"/>
+            </a:lvl8pPr>
+            <a:lvl9pPr marL="5852160" indent="0" algn="ctr">
               <a:buNone/>
-              <a:defRPr sz="1920"/>
-            </a:lvl7pPr>
-            <a:lvl8pPr marL="3840480" indent="0" algn="ctr">
-              <a:buNone/>
-              <a:defRPr sz="1920"/>
-            </a:lvl8pPr>
-            <a:lvl9pPr marL="4389120" indent="0" algn="ctr">
-              <a:buNone/>
-              <a:defRPr sz="1920"/>
+              <a:defRPr sz="2560"/>
             </a:lvl9pPr>
           </a:lstStyle>
           <a:p>
@@ -243,7 +243,7 @@
           <a:p>
             <a:fld id="{1956BE6B-EBDA-47AD-B12E-4D406315FF98}" type="datetimeFigureOut">
               <a:rPr lang="en-US" smtClean="0"/>
-              <a:t>4/13/2021</a:t>
+              <a:t>4/20/2021</a:t>
             </a:fld>
             <a:endParaRPr lang="en-US"/>
           </a:p>
@@ -294,7 +294,7 @@
     </p:spTree>
     <p:extLst>
       <p:ext uri="{BB962C8B-B14F-4D97-AF65-F5344CB8AC3E}">
-        <p14:creationId xmlns:p14="http://schemas.microsoft.com/office/powerpoint/2010/main" val="1751983564"/>
+        <p14:creationId xmlns:p14="http://schemas.microsoft.com/office/powerpoint/2010/main" val="2200801612"/>
       </p:ext>
     </p:extLst>
   </p:cSld>
@@ -413,7 +413,7 @@
           <a:p>
             <a:fld id="{1956BE6B-EBDA-47AD-B12E-4D406315FF98}" type="datetimeFigureOut">
               <a:rPr lang="en-US" smtClean="0"/>
-              <a:t>4/13/2021</a:t>
+              <a:t>4/20/2021</a:t>
             </a:fld>
             <a:endParaRPr lang="en-US"/>
           </a:p>
@@ -464,7 +464,7 @@
     </p:spTree>
     <p:extLst>
       <p:ext uri="{BB962C8B-B14F-4D97-AF65-F5344CB8AC3E}">
-        <p14:creationId xmlns:p14="http://schemas.microsoft.com/office/powerpoint/2010/main" val="2193411996"/>
+        <p14:creationId xmlns:p14="http://schemas.microsoft.com/office/powerpoint/2010/main" val="4274987335"/>
       </p:ext>
     </p:extLst>
   </p:cSld>
@@ -503,8 +503,8 @@
         </p:nvSpPr>
         <p:spPr>
           <a:xfrm>
-            <a:off x="8724901" y="438150"/>
-            <a:ext cx="2628900" cy="6974206"/>
+            <a:off x="10469881" y="584200"/>
+            <a:ext cx="3154680" cy="9298941"/>
           </a:xfrm>
         </p:spPr>
         <p:txBody>
@@ -531,8 +531,8 @@
         </p:nvSpPr>
         <p:spPr>
           <a:xfrm>
-            <a:off x="838201" y="438150"/>
-            <a:ext cx="7734300" cy="6974206"/>
+            <a:off x="1005841" y="584200"/>
+            <a:ext cx="9281160" cy="9298941"/>
           </a:xfrm>
         </p:spPr>
         <p:txBody>
@@ -593,7 +593,7 @@
           <a:p>
             <a:fld id="{1956BE6B-EBDA-47AD-B12E-4D406315FF98}" type="datetimeFigureOut">
               <a:rPr lang="en-US" smtClean="0"/>
-              <a:t>4/13/2021</a:t>
+              <a:t>4/20/2021</a:t>
             </a:fld>
             <a:endParaRPr lang="en-US"/>
           </a:p>
@@ -644,7 +644,7 @@
     </p:spTree>
     <p:extLst>
       <p:ext uri="{BB962C8B-B14F-4D97-AF65-F5344CB8AC3E}">
-        <p14:creationId xmlns:p14="http://schemas.microsoft.com/office/powerpoint/2010/main" val="4280183134"/>
+        <p14:creationId xmlns:p14="http://schemas.microsoft.com/office/powerpoint/2010/main" val="586653823"/>
       </p:ext>
     </p:extLst>
   </p:cSld>
@@ -763,7 +763,7 @@
           <a:p>
             <a:fld id="{1956BE6B-EBDA-47AD-B12E-4D406315FF98}" type="datetimeFigureOut">
               <a:rPr lang="en-US" smtClean="0"/>
-              <a:t>4/13/2021</a:t>
+              <a:t>4/20/2021</a:t>
             </a:fld>
             <a:endParaRPr lang="en-US"/>
           </a:p>
@@ -814,7 +814,7 @@
     </p:spTree>
     <p:extLst>
       <p:ext uri="{BB962C8B-B14F-4D97-AF65-F5344CB8AC3E}">
-        <p14:creationId xmlns:p14="http://schemas.microsoft.com/office/powerpoint/2010/main" val="1043856278"/>
+        <p14:creationId xmlns:p14="http://schemas.microsoft.com/office/powerpoint/2010/main" val="3022628949"/>
       </p:ext>
     </p:extLst>
   </p:cSld>
@@ -853,15 +853,15 @@
         </p:nvSpPr>
         <p:spPr>
           <a:xfrm>
-            <a:off x="831851" y="2051688"/>
-            <a:ext cx="10515600" cy="3423284"/>
+            <a:off x="998221" y="2735583"/>
+            <a:ext cx="12618720" cy="4564379"/>
           </a:xfrm>
         </p:spPr>
         <p:txBody>
           <a:bodyPr anchor="b"/>
           <a:lstStyle>
             <a:lvl1pPr>
-              <a:defRPr sz="7200"/>
+              <a:defRPr sz="9600"/>
             </a:lvl1pPr>
           </a:lstStyle>
           <a:p>
@@ -885,8 +885,8 @@
         </p:nvSpPr>
         <p:spPr>
           <a:xfrm>
-            <a:off x="831851" y="5507358"/>
-            <a:ext cx="10515600" cy="1800224"/>
+            <a:off x="998221" y="7343143"/>
+            <a:ext cx="12618720" cy="2400299"/>
           </a:xfrm>
         </p:spPr>
         <p:txBody>
@@ -894,15 +894,15 @@
           <a:lstStyle>
             <a:lvl1pPr marL="0" indent="0">
               <a:buNone/>
-              <a:defRPr sz="2880">
+              <a:defRPr sz="3840">
                 <a:solidFill>
                   <a:schemeClr val="tx1"/>
                 </a:solidFill>
               </a:defRPr>
             </a:lvl1pPr>
-            <a:lvl2pPr marL="548640" indent="0">
+            <a:lvl2pPr marL="731520" indent="0">
               <a:buNone/>
-              <a:defRPr sz="2400">
+              <a:defRPr sz="3200">
                 <a:solidFill>
                   <a:schemeClr val="tx1">
                     <a:tint val="75000"/>
@@ -910,9 +910,9 @@
                 </a:solidFill>
               </a:defRPr>
             </a:lvl2pPr>
-            <a:lvl3pPr marL="1097280" indent="0">
+            <a:lvl3pPr marL="1463040" indent="0">
               <a:buNone/>
-              <a:defRPr sz="2160">
+              <a:defRPr sz="2880">
                 <a:solidFill>
                   <a:schemeClr val="tx1">
                     <a:tint val="75000"/>
@@ -920,9 +920,9 @@
                 </a:solidFill>
               </a:defRPr>
             </a:lvl3pPr>
-            <a:lvl4pPr marL="1645920" indent="0">
+            <a:lvl4pPr marL="2194560" indent="0">
               <a:buNone/>
-              <a:defRPr sz="1920">
+              <a:defRPr sz="2560">
                 <a:solidFill>
                   <a:schemeClr val="tx1">
                     <a:tint val="75000"/>
@@ -930,9 +930,9 @@
                 </a:solidFill>
               </a:defRPr>
             </a:lvl4pPr>
-            <a:lvl5pPr marL="2194560" indent="0">
+            <a:lvl5pPr marL="2926080" indent="0">
               <a:buNone/>
-              <a:defRPr sz="1920">
+              <a:defRPr sz="2560">
                 <a:solidFill>
                   <a:schemeClr val="tx1">
                     <a:tint val="75000"/>
@@ -940,9 +940,9 @@
                 </a:solidFill>
               </a:defRPr>
             </a:lvl5pPr>
-            <a:lvl6pPr marL="2743200" indent="0">
+            <a:lvl6pPr marL="3657600" indent="0">
               <a:buNone/>
-              <a:defRPr sz="1920">
+              <a:defRPr sz="2560">
                 <a:solidFill>
                   <a:schemeClr val="tx1">
                     <a:tint val="75000"/>
@@ -950,9 +950,9 @@
                 </a:solidFill>
               </a:defRPr>
             </a:lvl6pPr>
-            <a:lvl7pPr marL="3291840" indent="0">
+            <a:lvl7pPr marL="4389120" indent="0">
               <a:buNone/>
-              <a:defRPr sz="1920">
+              <a:defRPr sz="2560">
                 <a:solidFill>
                   <a:schemeClr val="tx1">
                     <a:tint val="75000"/>
@@ -960,9 +960,9 @@
                 </a:solidFill>
               </a:defRPr>
             </a:lvl7pPr>
-            <a:lvl8pPr marL="3840480" indent="0">
+            <a:lvl8pPr marL="5120640" indent="0">
               <a:buNone/>
-              <a:defRPr sz="1920">
+              <a:defRPr sz="2560">
                 <a:solidFill>
                   <a:schemeClr val="tx1">
                     <a:tint val="75000"/>
@@ -970,9 +970,9 @@
                 </a:solidFill>
               </a:defRPr>
             </a:lvl8pPr>
-            <a:lvl9pPr marL="4389120" indent="0">
+            <a:lvl9pPr marL="5852160" indent="0">
               <a:buNone/>
-              <a:defRPr sz="1920">
+              <a:defRPr sz="2560">
                 <a:solidFill>
                   <a:schemeClr val="tx1">
                     <a:tint val="75000"/>
@@ -1007,7 +1007,7 @@
           <a:p>
             <a:fld id="{1956BE6B-EBDA-47AD-B12E-4D406315FF98}" type="datetimeFigureOut">
               <a:rPr lang="en-US" smtClean="0"/>
-              <a:t>4/13/2021</a:t>
+              <a:t>4/20/2021</a:t>
             </a:fld>
             <a:endParaRPr lang="en-US"/>
           </a:p>
@@ -1058,7 +1058,7 @@
     </p:spTree>
     <p:extLst>
       <p:ext uri="{BB962C8B-B14F-4D97-AF65-F5344CB8AC3E}">
-        <p14:creationId xmlns:p14="http://schemas.microsoft.com/office/powerpoint/2010/main" val="1615606286"/>
+        <p14:creationId xmlns:p14="http://schemas.microsoft.com/office/powerpoint/2010/main" val="2695494393"/>
       </p:ext>
     </p:extLst>
   </p:cSld>
@@ -1120,8 +1120,8 @@
         </p:nvSpPr>
         <p:spPr>
           <a:xfrm>
-            <a:off x="838200" y="2190750"/>
-            <a:ext cx="5181600" cy="5221606"/>
+            <a:off x="1005840" y="2921000"/>
+            <a:ext cx="6217920" cy="6962141"/>
           </a:xfrm>
         </p:spPr>
         <p:txBody>
@@ -1177,8 +1177,8 @@
         </p:nvSpPr>
         <p:spPr>
           <a:xfrm>
-            <a:off x="6172200" y="2190750"/>
-            <a:ext cx="5181600" cy="5221606"/>
+            <a:off x="7406640" y="2921000"/>
+            <a:ext cx="6217920" cy="6962141"/>
           </a:xfrm>
         </p:spPr>
         <p:txBody>
@@ -1239,7 +1239,7 @@
           <a:p>
             <a:fld id="{1956BE6B-EBDA-47AD-B12E-4D406315FF98}" type="datetimeFigureOut">
               <a:rPr lang="en-US" smtClean="0"/>
-              <a:t>4/13/2021</a:t>
+              <a:t>4/20/2021</a:t>
             </a:fld>
             <a:endParaRPr lang="en-US"/>
           </a:p>
@@ -1290,7 +1290,7 @@
     </p:spTree>
     <p:extLst>
       <p:ext uri="{BB962C8B-B14F-4D97-AF65-F5344CB8AC3E}">
-        <p14:creationId xmlns:p14="http://schemas.microsoft.com/office/powerpoint/2010/main" val="1416482228"/>
+        <p14:creationId xmlns:p14="http://schemas.microsoft.com/office/powerpoint/2010/main" val="125716547"/>
       </p:ext>
     </p:extLst>
   </p:cSld>
@@ -1329,8 +1329,8 @@
         </p:nvSpPr>
         <p:spPr>
           <a:xfrm>
-            <a:off x="839788" y="438152"/>
-            <a:ext cx="10515600" cy="1590676"/>
+            <a:off x="1007746" y="584202"/>
+            <a:ext cx="12618720" cy="2120901"/>
           </a:xfrm>
         </p:spPr>
         <p:txBody>
@@ -1357,8 +1357,8 @@
         </p:nvSpPr>
         <p:spPr>
           <a:xfrm>
-            <a:off x="839789" y="2017396"/>
-            <a:ext cx="5157787" cy="988694"/>
+            <a:off x="1007747" y="2689861"/>
+            <a:ext cx="6189344" cy="1318259"/>
           </a:xfrm>
         </p:spPr>
         <p:txBody>
@@ -1366,39 +1366,39 @@
           <a:lstStyle>
             <a:lvl1pPr marL="0" indent="0">
               <a:buNone/>
+              <a:defRPr sz="3840" b="1"/>
+            </a:lvl1pPr>
+            <a:lvl2pPr marL="731520" indent="0">
+              <a:buNone/>
+              <a:defRPr sz="3200" b="1"/>
+            </a:lvl2pPr>
+            <a:lvl3pPr marL="1463040" indent="0">
+              <a:buNone/>
               <a:defRPr sz="2880" b="1"/>
-            </a:lvl1pPr>
-            <a:lvl2pPr marL="548640" indent="0">
+            </a:lvl3pPr>
+            <a:lvl4pPr marL="2194560" indent="0">
               <a:buNone/>
-              <a:defRPr sz="2400" b="1"/>
-            </a:lvl2pPr>
-            <a:lvl3pPr marL="1097280" indent="0">
+              <a:defRPr sz="2560" b="1"/>
+            </a:lvl4pPr>
+            <a:lvl5pPr marL="2926080" indent="0">
               <a:buNone/>
-              <a:defRPr sz="2160" b="1"/>
-            </a:lvl3pPr>
-            <a:lvl4pPr marL="1645920" indent="0">
+              <a:defRPr sz="2560" b="1"/>
+            </a:lvl5pPr>
+            <a:lvl6pPr marL="3657600" indent="0">
               <a:buNone/>
-              <a:defRPr sz="1920" b="1"/>
-            </a:lvl4pPr>
-            <a:lvl5pPr marL="2194560" indent="0">
+              <a:defRPr sz="2560" b="1"/>
+            </a:lvl6pPr>
+            <a:lvl7pPr marL="4389120" indent="0">
               <a:buNone/>
-              <a:defRPr sz="1920" b="1"/>
-            </a:lvl5pPr>
-            <a:lvl6pPr marL="2743200" indent="0">
+              <a:defRPr sz="2560" b="1"/>
+            </a:lvl7pPr>
+            <a:lvl8pPr marL="5120640" indent="0">
               <a:buNone/>
-              <a:defRPr sz="1920" b="1"/>
-            </a:lvl6pPr>
-            <a:lvl7pPr marL="3291840" indent="0">
+              <a:defRPr sz="2560" b="1"/>
+            </a:lvl8pPr>
+            <a:lvl9pPr marL="5852160" indent="0">
               <a:buNone/>
-              <a:defRPr sz="1920" b="1"/>
-            </a:lvl7pPr>
-            <a:lvl8pPr marL="3840480" indent="0">
-              <a:buNone/>
-              <a:defRPr sz="1920" b="1"/>
-            </a:lvl8pPr>
-            <a:lvl9pPr marL="4389120" indent="0">
-              <a:buNone/>
-              <a:defRPr sz="1920" b="1"/>
+              <a:defRPr sz="2560" b="1"/>
             </a:lvl9pPr>
           </a:lstStyle>
           <a:p>
@@ -1422,8 +1422,8 @@
         </p:nvSpPr>
         <p:spPr>
           <a:xfrm>
-            <a:off x="839789" y="3006090"/>
-            <a:ext cx="5157787" cy="4421506"/>
+            <a:off x="1007747" y="4008120"/>
+            <a:ext cx="6189344" cy="5895341"/>
           </a:xfrm>
         </p:spPr>
         <p:txBody>
@@ -1479,8 +1479,8 @@
         </p:nvSpPr>
         <p:spPr>
           <a:xfrm>
-            <a:off x="6172201" y="2017396"/>
-            <a:ext cx="5183188" cy="988694"/>
+            <a:off x="7406641" y="2689861"/>
+            <a:ext cx="6219826" cy="1318259"/>
           </a:xfrm>
         </p:spPr>
         <p:txBody>
@@ -1488,39 +1488,39 @@
           <a:lstStyle>
             <a:lvl1pPr marL="0" indent="0">
               <a:buNone/>
+              <a:defRPr sz="3840" b="1"/>
+            </a:lvl1pPr>
+            <a:lvl2pPr marL="731520" indent="0">
+              <a:buNone/>
+              <a:defRPr sz="3200" b="1"/>
+            </a:lvl2pPr>
+            <a:lvl3pPr marL="1463040" indent="0">
+              <a:buNone/>
               <a:defRPr sz="2880" b="1"/>
-            </a:lvl1pPr>
-            <a:lvl2pPr marL="548640" indent="0">
+            </a:lvl3pPr>
+            <a:lvl4pPr marL="2194560" indent="0">
               <a:buNone/>
-              <a:defRPr sz="2400" b="1"/>
-            </a:lvl2pPr>
-            <a:lvl3pPr marL="1097280" indent="0">
+              <a:defRPr sz="2560" b="1"/>
+            </a:lvl4pPr>
+            <a:lvl5pPr marL="2926080" indent="0">
               <a:buNone/>
-              <a:defRPr sz="2160" b="1"/>
-            </a:lvl3pPr>
-            <a:lvl4pPr marL="1645920" indent="0">
+              <a:defRPr sz="2560" b="1"/>
+            </a:lvl5pPr>
+            <a:lvl6pPr marL="3657600" indent="0">
               <a:buNone/>
-              <a:defRPr sz="1920" b="1"/>
-            </a:lvl4pPr>
-            <a:lvl5pPr marL="2194560" indent="0">
+              <a:defRPr sz="2560" b="1"/>
+            </a:lvl6pPr>
+            <a:lvl7pPr marL="4389120" indent="0">
               <a:buNone/>
-              <a:defRPr sz="1920" b="1"/>
-            </a:lvl5pPr>
-            <a:lvl6pPr marL="2743200" indent="0">
+              <a:defRPr sz="2560" b="1"/>
+            </a:lvl7pPr>
+            <a:lvl8pPr marL="5120640" indent="0">
               <a:buNone/>
-              <a:defRPr sz="1920" b="1"/>
-            </a:lvl6pPr>
-            <a:lvl7pPr marL="3291840" indent="0">
+              <a:defRPr sz="2560" b="1"/>
+            </a:lvl8pPr>
+            <a:lvl9pPr marL="5852160" indent="0">
               <a:buNone/>
-              <a:defRPr sz="1920" b="1"/>
-            </a:lvl7pPr>
-            <a:lvl8pPr marL="3840480" indent="0">
-              <a:buNone/>
-              <a:defRPr sz="1920" b="1"/>
-            </a:lvl8pPr>
-            <a:lvl9pPr marL="4389120" indent="0">
-              <a:buNone/>
-              <a:defRPr sz="1920" b="1"/>
+              <a:defRPr sz="2560" b="1"/>
             </a:lvl9pPr>
           </a:lstStyle>
           <a:p>
@@ -1544,8 +1544,8 @@
         </p:nvSpPr>
         <p:spPr>
           <a:xfrm>
-            <a:off x="6172201" y="3006090"/>
-            <a:ext cx="5183188" cy="4421506"/>
+            <a:off x="7406641" y="4008120"/>
+            <a:ext cx="6219826" cy="5895341"/>
           </a:xfrm>
         </p:spPr>
         <p:txBody>
@@ -1606,7 +1606,7 @@
           <a:p>
             <a:fld id="{1956BE6B-EBDA-47AD-B12E-4D406315FF98}" type="datetimeFigureOut">
               <a:rPr lang="en-US" smtClean="0"/>
-              <a:t>4/13/2021</a:t>
+              <a:t>4/20/2021</a:t>
             </a:fld>
             <a:endParaRPr lang="en-US"/>
           </a:p>
@@ -1657,7 +1657,7 @@
     </p:spTree>
     <p:extLst>
       <p:ext uri="{BB962C8B-B14F-4D97-AF65-F5344CB8AC3E}">
-        <p14:creationId xmlns:p14="http://schemas.microsoft.com/office/powerpoint/2010/main" val="2626126483"/>
+        <p14:creationId xmlns:p14="http://schemas.microsoft.com/office/powerpoint/2010/main" val="641024719"/>
       </p:ext>
     </p:extLst>
   </p:cSld>
@@ -1724,7 +1724,7 @@
           <a:p>
             <a:fld id="{1956BE6B-EBDA-47AD-B12E-4D406315FF98}" type="datetimeFigureOut">
               <a:rPr lang="en-US" smtClean="0"/>
-              <a:t>4/13/2021</a:t>
+              <a:t>4/20/2021</a:t>
             </a:fld>
             <a:endParaRPr lang="en-US"/>
           </a:p>
@@ -1775,7 +1775,7 @@
     </p:spTree>
     <p:extLst>
       <p:ext uri="{BB962C8B-B14F-4D97-AF65-F5344CB8AC3E}">
-        <p14:creationId xmlns:p14="http://schemas.microsoft.com/office/powerpoint/2010/main" val="357190507"/>
+        <p14:creationId xmlns:p14="http://schemas.microsoft.com/office/powerpoint/2010/main" val="3074200071"/>
       </p:ext>
     </p:extLst>
   </p:cSld>
@@ -1819,7 +1819,7 @@
           <a:p>
             <a:fld id="{1956BE6B-EBDA-47AD-B12E-4D406315FF98}" type="datetimeFigureOut">
               <a:rPr lang="en-US" smtClean="0"/>
-              <a:t>4/13/2021</a:t>
+              <a:t>4/20/2021</a:t>
             </a:fld>
             <a:endParaRPr lang="en-US"/>
           </a:p>
@@ -1870,7 +1870,7 @@
     </p:spTree>
     <p:extLst>
       <p:ext uri="{BB962C8B-B14F-4D97-AF65-F5344CB8AC3E}">
-        <p14:creationId xmlns:p14="http://schemas.microsoft.com/office/powerpoint/2010/main" val="3475854597"/>
+        <p14:creationId xmlns:p14="http://schemas.microsoft.com/office/powerpoint/2010/main" val="1129893230"/>
       </p:ext>
     </p:extLst>
   </p:cSld>
@@ -1909,15 +1909,15 @@
         </p:nvSpPr>
         <p:spPr>
           <a:xfrm>
-            <a:off x="839788" y="548640"/>
-            <a:ext cx="3932237" cy="1920240"/>
+            <a:off x="1007746" y="731520"/>
+            <a:ext cx="4718685" cy="2560320"/>
           </a:xfrm>
         </p:spPr>
         <p:txBody>
           <a:bodyPr anchor="b"/>
           <a:lstStyle>
             <a:lvl1pPr>
-              <a:defRPr sz="3840"/>
+              <a:defRPr sz="5120"/>
             </a:lvl1pPr>
           </a:lstStyle>
           <a:p>
@@ -1941,39 +1941,39 @@
         </p:nvSpPr>
         <p:spPr>
           <a:xfrm>
-            <a:off x="5183188" y="1184912"/>
-            <a:ext cx="6172200" cy="5848350"/>
+            <a:off x="6219826" y="1579882"/>
+            <a:ext cx="7406640" cy="7797800"/>
           </a:xfrm>
         </p:spPr>
         <p:txBody>
           <a:bodyPr/>
           <a:lstStyle>
             <a:lvl1pPr>
-              <a:defRPr sz="3840"/>
+              <a:defRPr sz="5120"/>
             </a:lvl1pPr>
             <a:lvl2pPr>
-              <a:defRPr sz="3360"/>
+              <a:defRPr sz="4480"/>
             </a:lvl2pPr>
             <a:lvl3pPr>
-              <a:defRPr sz="2880"/>
+              <a:defRPr sz="3840"/>
             </a:lvl3pPr>
             <a:lvl4pPr>
-              <a:defRPr sz="2400"/>
+              <a:defRPr sz="3200"/>
             </a:lvl4pPr>
             <a:lvl5pPr>
-              <a:defRPr sz="2400"/>
+              <a:defRPr sz="3200"/>
             </a:lvl5pPr>
             <a:lvl6pPr>
-              <a:defRPr sz="2400"/>
+              <a:defRPr sz="3200"/>
             </a:lvl6pPr>
             <a:lvl7pPr>
-              <a:defRPr sz="2400"/>
+              <a:defRPr sz="3200"/>
             </a:lvl7pPr>
             <a:lvl8pPr>
-              <a:defRPr sz="2400"/>
+              <a:defRPr sz="3200"/>
             </a:lvl8pPr>
             <a:lvl9pPr>
-              <a:defRPr sz="2400"/>
+              <a:defRPr sz="3200"/>
             </a:lvl9pPr>
           </a:lstStyle>
           <a:p>
@@ -2026,8 +2026,8 @@
         </p:nvSpPr>
         <p:spPr>
           <a:xfrm>
-            <a:off x="839788" y="2468880"/>
-            <a:ext cx="3932237" cy="4573906"/>
+            <a:off x="1007746" y="3291840"/>
+            <a:ext cx="4718685" cy="6098541"/>
           </a:xfrm>
         </p:spPr>
         <p:txBody>
@@ -2035,39 +2035,39 @@
           <a:lstStyle>
             <a:lvl1pPr marL="0" indent="0">
               <a:buNone/>
+              <a:defRPr sz="2560"/>
+            </a:lvl1pPr>
+            <a:lvl2pPr marL="731520" indent="0">
+              <a:buNone/>
+              <a:defRPr sz="2240"/>
+            </a:lvl2pPr>
+            <a:lvl3pPr marL="1463040" indent="0">
+              <a:buNone/>
               <a:defRPr sz="1920"/>
-            </a:lvl1pPr>
-            <a:lvl2pPr marL="548640" indent="0">
+            </a:lvl3pPr>
+            <a:lvl4pPr marL="2194560" indent="0">
               <a:buNone/>
-              <a:defRPr sz="1680"/>
-            </a:lvl2pPr>
-            <a:lvl3pPr marL="1097280" indent="0">
+              <a:defRPr sz="1600"/>
+            </a:lvl4pPr>
+            <a:lvl5pPr marL="2926080" indent="0">
               <a:buNone/>
-              <a:defRPr sz="1440"/>
-            </a:lvl3pPr>
-            <a:lvl4pPr marL="1645920" indent="0">
+              <a:defRPr sz="1600"/>
+            </a:lvl5pPr>
+            <a:lvl6pPr marL="3657600" indent="0">
               <a:buNone/>
-              <a:defRPr sz="1200"/>
-            </a:lvl4pPr>
-            <a:lvl5pPr marL="2194560" indent="0">
+              <a:defRPr sz="1600"/>
+            </a:lvl6pPr>
+            <a:lvl7pPr marL="4389120" indent="0">
               <a:buNone/>
-              <a:defRPr sz="1200"/>
-            </a:lvl5pPr>
-            <a:lvl6pPr marL="2743200" indent="0">
+              <a:defRPr sz="1600"/>
+            </a:lvl7pPr>
+            <a:lvl8pPr marL="5120640" indent="0">
               <a:buNone/>
-              <a:defRPr sz="1200"/>
-            </a:lvl6pPr>
-            <a:lvl7pPr marL="3291840" indent="0">
+              <a:defRPr sz="1600"/>
+            </a:lvl8pPr>
+            <a:lvl9pPr marL="5852160" indent="0">
               <a:buNone/>
-              <a:defRPr sz="1200"/>
-            </a:lvl7pPr>
-            <a:lvl8pPr marL="3840480" indent="0">
-              <a:buNone/>
-              <a:defRPr sz="1200"/>
-            </a:lvl8pPr>
-            <a:lvl9pPr marL="4389120" indent="0">
-              <a:buNone/>
-              <a:defRPr sz="1200"/>
+              <a:defRPr sz="1600"/>
             </a:lvl9pPr>
           </a:lstStyle>
           <a:p>
@@ -2096,7 +2096,7 @@
           <a:p>
             <a:fld id="{1956BE6B-EBDA-47AD-B12E-4D406315FF98}" type="datetimeFigureOut">
               <a:rPr lang="en-US" smtClean="0"/>
-              <a:t>4/13/2021</a:t>
+              <a:t>4/20/2021</a:t>
             </a:fld>
             <a:endParaRPr lang="en-US"/>
           </a:p>
@@ -2147,7 +2147,7 @@
     </p:spTree>
     <p:extLst>
       <p:ext uri="{BB962C8B-B14F-4D97-AF65-F5344CB8AC3E}">
-        <p14:creationId xmlns:p14="http://schemas.microsoft.com/office/powerpoint/2010/main" val="4010728715"/>
+        <p14:creationId xmlns:p14="http://schemas.microsoft.com/office/powerpoint/2010/main" val="1994097878"/>
       </p:ext>
     </p:extLst>
   </p:cSld>
@@ -2186,15 +2186,15 @@
         </p:nvSpPr>
         <p:spPr>
           <a:xfrm>
-            <a:off x="839788" y="548640"/>
-            <a:ext cx="3932237" cy="1920240"/>
+            <a:off x="1007746" y="731520"/>
+            <a:ext cx="4718685" cy="2560320"/>
           </a:xfrm>
         </p:spPr>
         <p:txBody>
           <a:bodyPr anchor="b"/>
           <a:lstStyle>
             <a:lvl1pPr>
-              <a:defRPr sz="3840"/>
+              <a:defRPr sz="5120"/>
             </a:lvl1pPr>
           </a:lstStyle>
           <a:p>
@@ -2218,8 +2218,8 @@
         </p:nvSpPr>
         <p:spPr>
           <a:xfrm>
-            <a:off x="5183188" y="1184912"/>
-            <a:ext cx="6172200" cy="5848350"/>
+            <a:off x="6219826" y="1579882"/>
+            <a:ext cx="7406640" cy="7797800"/>
           </a:xfrm>
         </p:spPr>
         <p:txBody>
@@ -2227,39 +2227,39 @@
           <a:lstStyle>
             <a:lvl1pPr marL="0" indent="0">
               <a:buNone/>
+              <a:defRPr sz="5120"/>
+            </a:lvl1pPr>
+            <a:lvl2pPr marL="731520" indent="0">
+              <a:buNone/>
+              <a:defRPr sz="4480"/>
+            </a:lvl2pPr>
+            <a:lvl3pPr marL="1463040" indent="0">
+              <a:buNone/>
               <a:defRPr sz="3840"/>
-            </a:lvl1pPr>
-            <a:lvl2pPr marL="548640" indent="0">
+            </a:lvl3pPr>
+            <a:lvl4pPr marL="2194560" indent="0">
               <a:buNone/>
-              <a:defRPr sz="3360"/>
-            </a:lvl2pPr>
-            <a:lvl3pPr marL="1097280" indent="0">
+              <a:defRPr sz="3200"/>
+            </a:lvl4pPr>
+            <a:lvl5pPr marL="2926080" indent="0">
               <a:buNone/>
-              <a:defRPr sz="2880"/>
-            </a:lvl3pPr>
-            <a:lvl4pPr marL="1645920" indent="0">
+              <a:defRPr sz="3200"/>
+            </a:lvl5pPr>
+            <a:lvl6pPr marL="3657600" indent="0">
               <a:buNone/>
-              <a:defRPr sz="2400"/>
-            </a:lvl4pPr>
-            <a:lvl5pPr marL="2194560" indent="0">
+              <a:defRPr sz="3200"/>
+            </a:lvl6pPr>
+            <a:lvl7pPr marL="4389120" indent="0">
               <a:buNone/>
-              <a:defRPr sz="2400"/>
-            </a:lvl5pPr>
-            <a:lvl6pPr marL="2743200" indent="0">
+              <a:defRPr sz="3200"/>
+            </a:lvl7pPr>
+            <a:lvl8pPr marL="5120640" indent="0">
               <a:buNone/>
-              <a:defRPr sz="2400"/>
-            </a:lvl6pPr>
-            <a:lvl7pPr marL="3291840" indent="0">
+              <a:defRPr sz="3200"/>
+            </a:lvl8pPr>
+            <a:lvl9pPr marL="5852160" indent="0">
               <a:buNone/>
-              <a:defRPr sz="2400"/>
-            </a:lvl7pPr>
-            <a:lvl8pPr marL="3840480" indent="0">
-              <a:buNone/>
-              <a:defRPr sz="2400"/>
-            </a:lvl8pPr>
-            <a:lvl9pPr marL="4389120" indent="0">
-              <a:buNone/>
-              <a:defRPr sz="2400"/>
+              <a:defRPr sz="3200"/>
             </a:lvl9pPr>
           </a:lstStyle>
           <a:p>
@@ -2283,8 +2283,8 @@
         </p:nvSpPr>
         <p:spPr>
           <a:xfrm>
-            <a:off x="839788" y="2468880"/>
-            <a:ext cx="3932237" cy="4573906"/>
+            <a:off x="1007746" y="3291840"/>
+            <a:ext cx="4718685" cy="6098541"/>
           </a:xfrm>
         </p:spPr>
         <p:txBody>
@@ -2292,39 +2292,39 @@
           <a:lstStyle>
             <a:lvl1pPr marL="0" indent="0">
               <a:buNone/>
+              <a:defRPr sz="2560"/>
+            </a:lvl1pPr>
+            <a:lvl2pPr marL="731520" indent="0">
+              <a:buNone/>
+              <a:defRPr sz="2240"/>
+            </a:lvl2pPr>
+            <a:lvl3pPr marL="1463040" indent="0">
+              <a:buNone/>
               <a:defRPr sz="1920"/>
-            </a:lvl1pPr>
-            <a:lvl2pPr marL="548640" indent="0">
+            </a:lvl3pPr>
+            <a:lvl4pPr marL="2194560" indent="0">
               <a:buNone/>
-              <a:defRPr sz="1680"/>
-            </a:lvl2pPr>
-            <a:lvl3pPr marL="1097280" indent="0">
+              <a:defRPr sz="1600"/>
+            </a:lvl4pPr>
+            <a:lvl5pPr marL="2926080" indent="0">
               <a:buNone/>
-              <a:defRPr sz="1440"/>
-            </a:lvl3pPr>
-            <a:lvl4pPr marL="1645920" indent="0">
+              <a:defRPr sz="1600"/>
+            </a:lvl5pPr>
+            <a:lvl6pPr marL="3657600" indent="0">
               <a:buNone/>
-              <a:defRPr sz="1200"/>
-            </a:lvl4pPr>
-            <a:lvl5pPr marL="2194560" indent="0">
+              <a:defRPr sz="1600"/>
+            </a:lvl6pPr>
+            <a:lvl7pPr marL="4389120" indent="0">
               <a:buNone/>
-              <a:defRPr sz="1200"/>
-            </a:lvl5pPr>
-            <a:lvl6pPr marL="2743200" indent="0">
+              <a:defRPr sz="1600"/>
+            </a:lvl7pPr>
+            <a:lvl8pPr marL="5120640" indent="0">
               <a:buNone/>
-              <a:defRPr sz="1200"/>
-            </a:lvl6pPr>
-            <a:lvl7pPr marL="3291840" indent="0">
+              <a:defRPr sz="1600"/>
+            </a:lvl8pPr>
+            <a:lvl9pPr marL="5852160" indent="0">
               <a:buNone/>
-              <a:defRPr sz="1200"/>
-            </a:lvl7pPr>
-            <a:lvl8pPr marL="3840480" indent="0">
-              <a:buNone/>
-              <a:defRPr sz="1200"/>
-            </a:lvl8pPr>
-            <a:lvl9pPr marL="4389120" indent="0">
-              <a:buNone/>
-              <a:defRPr sz="1200"/>
+              <a:defRPr sz="1600"/>
             </a:lvl9pPr>
           </a:lstStyle>
           <a:p>
@@ -2353,7 +2353,7 @@
           <a:p>
             <a:fld id="{1956BE6B-EBDA-47AD-B12E-4D406315FF98}" type="datetimeFigureOut">
               <a:rPr lang="en-US" smtClean="0"/>
-              <a:t>4/13/2021</a:t>
+              <a:t>4/20/2021</a:t>
             </a:fld>
             <a:endParaRPr lang="en-US"/>
           </a:p>
@@ -2404,7 +2404,7 @@
     </p:spTree>
     <p:extLst>
       <p:ext uri="{BB962C8B-B14F-4D97-AF65-F5344CB8AC3E}">
-        <p14:creationId xmlns:p14="http://schemas.microsoft.com/office/powerpoint/2010/main" val="1176469340"/>
+        <p14:creationId xmlns:p14="http://schemas.microsoft.com/office/powerpoint/2010/main" val="644013176"/>
       </p:ext>
     </p:extLst>
   </p:cSld>
@@ -2448,8 +2448,8 @@
         </p:nvSpPr>
         <p:spPr>
           <a:xfrm>
-            <a:off x="838200" y="438152"/>
-            <a:ext cx="10515600" cy="1590676"/>
+            <a:off x="1005840" y="584202"/>
+            <a:ext cx="12618720" cy="2120901"/>
           </a:xfrm>
           <a:prstGeom prst="rect">
             <a:avLst/>
@@ -2481,8 +2481,8 @@
         </p:nvSpPr>
         <p:spPr>
           <a:xfrm>
-            <a:off x="838200" y="2190750"/>
-            <a:ext cx="10515600" cy="5221606"/>
+            <a:off x="1005840" y="2921000"/>
+            <a:ext cx="12618720" cy="6962141"/>
           </a:xfrm>
           <a:prstGeom prst="rect">
             <a:avLst/>
@@ -2543,8 +2543,8 @@
         </p:nvSpPr>
         <p:spPr>
           <a:xfrm>
-            <a:off x="838200" y="7627622"/>
-            <a:ext cx="2743200" cy="438150"/>
+            <a:off x="1005840" y="10170162"/>
+            <a:ext cx="3291840" cy="584200"/>
           </a:xfrm>
           <a:prstGeom prst="rect">
             <a:avLst/>
@@ -2554,7 +2554,7 @@
           <a:bodyPr vert="horz" lIns="91440" tIns="45720" rIns="91440" bIns="45720" rtlCol="0" anchor="ctr"/>
           <a:lstStyle>
             <a:lvl1pPr algn="l">
-              <a:defRPr sz="1440">
+              <a:defRPr sz="1920">
                 <a:solidFill>
                   <a:schemeClr val="tx1">
                     <a:tint val="75000"/>
@@ -2566,7 +2566,7 @@
           <a:p>
             <a:fld id="{1956BE6B-EBDA-47AD-B12E-4D406315FF98}" type="datetimeFigureOut">
               <a:rPr lang="en-US" smtClean="0"/>
-              <a:t>4/13/2021</a:t>
+              <a:t>4/20/2021</a:t>
             </a:fld>
             <a:endParaRPr lang="en-US"/>
           </a:p>
@@ -2584,8 +2584,8 @@
         </p:nvSpPr>
         <p:spPr>
           <a:xfrm>
-            <a:off x="4038600" y="7627622"/>
-            <a:ext cx="4114800" cy="438150"/>
+            <a:off x="4846320" y="10170162"/>
+            <a:ext cx="4937760" cy="584200"/>
           </a:xfrm>
           <a:prstGeom prst="rect">
             <a:avLst/>
@@ -2595,7 +2595,7 @@
           <a:bodyPr vert="horz" lIns="91440" tIns="45720" rIns="91440" bIns="45720" rtlCol="0" anchor="ctr"/>
           <a:lstStyle>
             <a:lvl1pPr algn="ctr">
-              <a:defRPr sz="1440">
+              <a:defRPr sz="1920">
                 <a:solidFill>
                   <a:schemeClr val="tx1">
                     <a:tint val="75000"/>
@@ -2621,8 +2621,8 @@
         </p:nvSpPr>
         <p:spPr>
           <a:xfrm>
-            <a:off x="8610600" y="7627622"/>
-            <a:ext cx="2743200" cy="438150"/>
+            <a:off x="10332720" y="10170162"/>
+            <a:ext cx="3291840" cy="584200"/>
           </a:xfrm>
           <a:prstGeom prst="rect">
             <a:avLst/>
@@ -2632,7 +2632,7 @@
           <a:bodyPr vert="horz" lIns="91440" tIns="45720" rIns="91440" bIns="45720" rtlCol="0" anchor="ctr"/>
           <a:lstStyle>
             <a:lvl1pPr algn="r">
-              <a:defRPr sz="1440">
+              <a:defRPr sz="1920">
                 <a:solidFill>
                   <a:schemeClr val="tx1">
                     <a:tint val="75000"/>
@@ -2653,27 +2653,27 @@
     </p:spTree>
     <p:extLst>
       <p:ext uri="{BB962C8B-B14F-4D97-AF65-F5344CB8AC3E}">
-        <p14:creationId xmlns:p14="http://schemas.microsoft.com/office/powerpoint/2010/main" val="238218785"/>
+        <p14:creationId xmlns:p14="http://schemas.microsoft.com/office/powerpoint/2010/main" val="701336"/>
       </p:ext>
     </p:extLst>
   </p:cSld>
   <p:clrMap bg1="lt1" tx1="dk1" bg2="lt2" tx2="dk2" accent1="accent1" accent2="accent2" accent3="accent3" accent4="accent4" accent5="accent5" accent6="accent6" hlink="hlink" folHlink="folHlink"/>
   <p:sldLayoutIdLst>
-    <p:sldLayoutId id="2147483661" r:id="rId1"/>
-    <p:sldLayoutId id="2147483662" r:id="rId2"/>
-    <p:sldLayoutId id="2147483663" r:id="rId3"/>
-    <p:sldLayoutId id="2147483664" r:id="rId4"/>
-    <p:sldLayoutId id="2147483665" r:id="rId5"/>
-    <p:sldLayoutId id="2147483666" r:id="rId6"/>
-    <p:sldLayoutId id="2147483667" r:id="rId7"/>
-    <p:sldLayoutId id="2147483668" r:id="rId8"/>
-    <p:sldLayoutId id="2147483669" r:id="rId9"/>
-    <p:sldLayoutId id="2147483670" r:id="rId10"/>
-    <p:sldLayoutId id="2147483671" r:id="rId11"/>
+    <p:sldLayoutId id="2147483685" r:id="rId1"/>
+    <p:sldLayoutId id="2147483686" r:id="rId2"/>
+    <p:sldLayoutId id="2147483687" r:id="rId3"/>
+    <p:sldLayoutId id="2147483688" r:id="rId4"/>
+    <p:sldLayoutId id="2147483689" r:id="rId5"/>
+    <p:sldLayoutId id="2147483690" r:id="rId6"/>
+    <p:sldLayoutId id="2147483691" r:id="rId7"/>
+    <p:sldLayoutId id="2147483692" r:id="rId8"/>
+    <p:sldLayoutId id="2147483693" r:id="rId9"/>
+    <p:sldLayoutId id="2147483694" r:id="rId10"/>
+    <p:sldLayoutId id="2147483695" r:id="rId11"/>
   </p:sldLayoutIdLst>
   <p:txStyles>
     <p:titleStyle>
-      <a:lvl1pPr algn="l" defTabSz="1097280" rtl="0" eaLnBrk="1" latinLnBrk="0" hangingPunct="1">
+      <a:lvl1pPr algn="l" defTabSz="1463040" rtl="0" eaLnBrk="1" latinLnBrk="0" hangingPunct="1">
         <a:lnSpc>
           <a:spcPct val="90000"/>
         </a:lnSpc>
@@ -2681,7 +2681,7 @@
           <a:spcPct val="0"/>
         </a:spcBef>
         <a:buNone/>
-        <a:defRPr sz="5280" kern="1200">
+        <a:defRPr sz="7040" kern="1200">
           <a:solidFill>
             <a:schemeClr val="tx1"/>
           </a:solidFill>
@@ -2692,16 +2692,16 @@
       </a:lvl1pPr>
     </p:titleStyle>
     <p:bodyStyle>
-      <a:lvl1pPr marL="274320" indent="-274320" algn="l" defTabSz="1097280" rtl="0" eaLnBrk="1" latinLnBrk="0" hangingPunct="1">
+      <a:lvl1pPr marL="365760" indent="-365760" algn="l" defTabSz="1463040" rtl="0" eaLnBrk="1" latinLnBrk="0" hangingPunct="1">
         <a:lnSpc>
           <a:spcPct val="90000"/>
         </a:lnSpc>
         <a:spcBef>
-          <a:spcPts val="1200"/>
+          <a:spcPts val="1600"/>
         </a:spcBef>
         <a:buFont typeface="Arial" panose="020B0604020202020204" pitchFamily="34" charset="0"/>
         <a:buChar char="•"/>
-        <a:defRPr sz="3360" kern="1200">
+        <a:defRPr sz="4480" kern="1200">
           <a:solidFill>
             <a:schemeClr val="tx1"/>
           </a:solidFill>
@@ -2710,12 +2710,48 @@
           <a:cs typeface="+mn-cs"/>
         </a:defRPr>
       </a:lvl1pPr>
-      <a:lvl2pPr marL="822960" indent="-274320" algn="l" defTabSz="1097280" rtl="0" eaLnBrk="1" latinLnBrk="0" hangingPunct="1">
+      <a:lvl2pPr marL="1097280" indent="-365760" algn="l" defTabSz="1463040" rtl="0" eaLnBrk="1" latinLnBrk="0" hangingPunct="1">
         <a:lnSpc>
           <a:spcPct val="90000"/>
         </a:lnSpc>
         <a:spcBef>
-          <a:spcPts val="600"/>
+          <a:spcPts val="800"/>
+        </a:spcBef>
+        <a:buFont typeface="Arial" panose="020B0604020202020204" pitchFamily="34" charset="0"/>
+        <a:buChar char="•"/>
+        <a:defRPr sz="3840" kern="1200">
+          <a:solidFill>
+            <a:schemeClr val="tx1"/>
+          </a:solidFill>
+          <a:latin typeface="+mn-lt"/>
+          <a:ea typeface="+mn-ea"/>
+          <a:cs typeface="+mn-cs"/>
+        </a:defRPr>
+      </a:lvl2pPr>
+      <a:lvl3pPr marL="1828800" indent="-365760" algn="l" defTabSz="1463040" rtl="0" eaLnBrk="1" latinLnBrk="0" hangingPunct="1">
+        <a:lnSpc>
+          <a:spcPct val="90000"/>
+        </a:lnSpc>
+        <a:spcBef>
+          <a:spcPts val="800"/>
+        </a:spcBef>
+        <a:buFont typeface="Arial" panose="020B0604020202020204" pitchFamily="34" charset="0"/>
+        <a:buChar char="•"/>
+        <a:defRPr sz="3200" kern="1200">
+          <a:solidFill>
+            <a:schemeClr val="tx1"/>
+          </a:solidFill>
+          <a:latin typeface="+mn-lt"/>
+          <a:ea typeface="+mn-ea"/>
+          <a:cs typeface="+mn-cs"/>
+        </a:defRPr>
+      </a:lvl3pPr>
+      <a:lvl4pPr marL="2560320" indent="-365760" algn="l" defTabSz="1463040" rtl="0" eaLnBrk="1" latinLnBrk="0" hangingPunct="1">
+        <a:lnSpc>
+          <a:spcPct val="90000"/>
+        </a:lnSpc>
+        <a:spcBef>
+          <a:spcPts val="800"/>
         </a:spcBef>
         <a:buFont typeface="Arial" panose="020B0604020202020204" pitchFamily="34" charset="0"/>
         <a:buChar char="•"/>
@@ -2727,53 +2763,17 @@
           <a:ea typeface="+mn-ea"/>
           <a:cs typeface="+mn-cs"/>
         </a:defRPr>
-      </a:lvl2pPr>
-      <a:lvl3pPr marL="1371600" indent="-274320" algn="l" defTabSz="1097280" rtl="0" eaLnBrk="1" latinLnBrk="0" hangingPunct="1">
+      </a:lvl4pPr>
+      <a:lvl5pPr marL="3291840" indent="-365760" algn="l" defTabSz="1463040" rtl="0" eaLnBrk="1" latinLnBrk="0" hangingPunct="1">
         <a:lnSpc>
           <a:spcPct val="90000"/>
         </a:lnSpc>
         <a:spcBef>
-          <a:spcPts val="600"/>
+          <a:spcPts val="800"/>
         </a:spcBef>
         <a:buFont typeface="Arial" panose="020B0604020202020204" pitchFamily="34" charset="0"/>
         <a:buChar char="•"/>
-        <a:defRPr sz="2400" kern="1200">
-          <a:solidFill>
-            <a:schemeClr val="tx1"/>
-          </a:solidFill>
-          <a:latin typeface="+mn-lt"/>
-          <a:ea typeface="+mn-ea"/>
-          <a:cs typeface="+mn-cs"/>
-        </a:defRPr>
-      </a:lvl3pPr>
-      <a:lvl4pPr marL="1920240" indent="-274320" algn="l" defTabSz="1097280" rtl="0" eaLnBrk="1" latinLnBrk="0" hangingPunct="1">
-        <a:lnSpc>
-          <a:spcPct val="90000"/>
-        </a:lnSpc>
-        <a:spcBef>
-          <a:spcPts val="600"/>
-        </a:spcBef>
-        <a:buFont typeface="Arial" panose="020B0604020202020204" pitchFamily="34" charset="0"/>
-        <a:buChar char="•"/>
-        <a:defRPr sz="2160" kern="1200">
-          <a:solidFill>
-            <a:schemeClr val="tx1"/>
-          </a:solidFill>
-          <a:latin typeface="+mn-lt"/>
-          <a:ea typeface="+mn-ea"/>
-          <a:cs typeface="+mn-cs"/>
-        </a:defRPr>
-      </a:lvl4pPr>
-      <a:lvl5pPr marL="2468880" indent="-274320" algn="l" defTabSz="1097280" rtl="0" eaLnBrk="1" latinLnBrk="0" hangingPunct="1">
-        <a:lnSpc>
-          <a:spcPct val="90000"/>
-        </a:lnSpc>
-        <a:spcBef>
-          <a:spcPts val="600"/>
-        </a:spcBef>
-        <a:buFont typeface="Arial" panose="020B0604020202020204" pitchFamily="34" charset="0"/>
-        <a:buChar char="•"/>
-        <a:defRPr sz="2160" kern="1200">
+        <a:defRPr sz="2880" kern="1200">
           <a:solidFill>
             <a:schemeClr val="tx1"/>
           </a:solidFill>
@@ -2782,16 +2782,16 @@
           <a:cs typeface="+mn-cs"/>
         </a:defRPr>
       </a:lvl5pPr>
-      <a:lvl6pPr marL="3017520" indent="-274320" algn="l" defTabSz="1097280" rtl="0" eaLnBrk="1" latinLnBrk="0" hangingPunct="1">
+      <a:lvl6pPr marL="4023360" indent="-365760" algn="l" defTabSz="1463040" rtl="0" eaLnBrk="1" latinLnBrk="0" hangingPunct="1">
         <a:lnSpc>
           <a:spcPct val="90000"/>
         </a:lnSpc>
         <a:spcBef>
-          <a:spcPts val="600"/>
+          <a:spcPts val="800"/>
         </a:spcBef>
         <a:buFont typeface="Arial" panose="020B0604020202020204" pitchFamily="34" charset="0"/>
         <a:buChar char="•"/>
-        <a:defRPr sz="2160" kern="1200">
+        <a:defRPr sz="2880" kern="1200">
           <a:solidFill>
             <a:schemeClr val="tx1"/>
           </a:solidFill>
@@ -2800,16 +2800,16 @@
           <a:cs typeface="+mn-cs"/>
         </a:defRPr>
       </a:lvl6pPr>
-      <a:lvl7pPr marL="3566160" indent="-274320" algn="l" defTabSz="1097280" rtl="0" eaLnBrk="1" latinLnBrk="0" hangingPunct="1">
+      <a:lvl7pPr marL="4754880" indent="-365760" algn="l" defTabSz="1463040" rtl="0" eaLnBrk="1" latinLnBrk="0" hangingPunct="1">
         <a:lnSpc>
           <a:spcPct val="90000"/>
         </a:lnSpc>
         <a:spcBef>
-          <a:spcPts val="600"/>
+          <a:spcPts val="800"/>
         </a:spcBef>
         <a:buFont typeface="Arial" panose="020B0604020202020204" pitchFamily="34" charset="0"/>
         <a:buChar char="•"/>
-        <a:defRPr sz="2160" kern="1200">
+        <a:defRPr sz="2880" kern="1200">
           <a:solidFill>
             <a:schemeClr val="tx1"/>
           </a:solidFill>
@@ -2818,16 +2818,16 @@
           <a:cs typeface="+mn-cs"/>
         </a:defRPr>
       </a:lvl7pPr>
-      <a:lvl8pPr marL="4114800" indent="-274320" algn="l" defTabSz="1097280" rtl="0" eaLnBrk="1" latinLnBrk="0" hangingPunct="1">
+      <a:lvl8pPr marL="5486400" indent="-365760" algn="l" defTabSz="1463040" rtl="0" eaLnBrk="1" latinLnBrk="0" hangingPunct="1">
         <a:lnSpc>
           <a:spcPct val="90000"/>
         </a:lnSpc>
         <a:spcBef>
-          <a:spcPts val="600"/>
+          <a:spcPts val="800"/>
         </a:spcBef>
         <a:buFont typeface="Arial" panose="020B0604020202020204" pitchFamily="34" charset="0"/>
         <a:buChar char="•"/>
-        <a:defRPr sz="2160" kern="1200">
+        <a:defRPr sz="2880" kern="1200">
           <a:solidFill>
             <a:schemeClr val="tx1"/>
           </a:solidFill>
@@ -2836,16 +2836,16 @@
           <a:cs typeface="+mn-cs"/>
         </a:defRPr>
       </a:lvl8pPr>
-      <a:lvl9pPr marL="4663440" indent="-274320" algn="l" defTabSz="1097280" rtl="0" eaLnBrk="1" latinLnBrk="0" hangingPunct="1">
+      <a:lvl9pPr marL="6217920" indent="-365760" algn="l" defTabSz="1463040" rtl="0" eaLnBrk="1" latinLnBrk="0" hangingPunct="1">
         <a:lnSpc>
           <a:spcPct val="90000"/>
         </a:lnSpc>
         <a:spcBef>
-          <a:spcPts val="600"/>
+          <a:spcPts val="800"/>
         </a:spcBef>
         <a:buFont typeface="Arial" panose="020B0604020202020204" pitchFamily="34" charset="0"/>
         <a:buChar char="•"/>
-        <a:defRPr sz="2160" kern="1200">
+        <a:defRPr sz="2880" kern="1200">
           <a:solidFill>
             <a:schemeClr val="tx1"/>
           </a:solidFill>
@@ -2859,8 +2859,8 @@
       <a:defPPr>
         <a:defRPr lang="en-US"/>
       </a:defPPr>
-      <a:lvl1pPr marL="0" algn="l" defTabSz="1097280" rtl="0" eaLnBrk="1" latinLnBrk="0" hangingPunct="1">
-        <a:defRPr sz="2160" kern="1200">
+      <a:lvl1pPr marL="0" algn="l" defTabSz="1463040" rtl="0" eaLnBrk="1" latinLnBrk="0" hangingPunct="1">
+        <a:defRPr sz="2880" kern="1200">
           <a:solidFill>
             <a:schemeClr val="tx1"/>
           </a:solidFill>
@@ -2869,8 +2869,8 @@
           <a:cs typeface="+mn-cs"/>
         </a:defRPr>
       </a:lvl1pPr>
-      <a:lvl2pPr marL="548640" algn="l" defTabSz="1097280" rtl="0" eaLnBrk="1" latinLnBrk="0" hangingPunct="1">
-        <a:defRPr sz="2160" kern="1200">
+      <a:lvl2pPr marL="731520" algn="l" defTabSz="1463040" rtl="0" eaLnBrk="1" latinLnBrk="0" hangingPunct="1">
+        <a:defRPr sz="2880" kern="1200">
           <a:solidFill>
             <a:schemeClr val="tx1"/>
           </a:solidFill>
@@ -2879,8 +2879,8 @@
           <a:cs typeface="+mn-cs"/>
         </a:defRPr>
       </a:lvl2pPr>
-      <a:lvl3pPr marL="1097280" algn="l" defTabSz="1097280" rtl="0" eaLnBrk="1" latinLnBrk="0" hangingPunct="1">
-        <a:defRPr sz="2160" kern="1200">
+      <a:lvl3pPr marL="1463040" algn="l" defTabSz="1463040" rtl="0" eaLnBrk="1" latinLnBrk="0" hangingPunct="1">
+        <a:defRPr sz="2880" kern="1200">
           <a:solidFill>
             <a:schemeClr val="tx1"/>
           </a:solidFill>
@@ -2889,8 +2889,8 @@
           <a:cs typeface="+mn-cs"/>
         </a:defRPr>
       </a:lvl3pPr>
-      <a:lvl4pPr marL="1645920" algn="l" defTabSz="1097280" rtl="0" eaLnBrk="1" latinLnBrk="0" hangingPunct="1">
-        <a:defRPr sz="2160" kern="1200">
+      <a:lvl4pPr marL="2194560" algn="l" defTabSz="1463040" rtl="0" eaLnBrk="1" latinLnBrk="0" hangingPunct="1">
+        <a:defRPr sz="2880" kern="1200">
           <a:solidFill>
             <a:schemeClr val="tx1"/>
           </a:solidFill>
@@ -2899,8 +2899,8 @@
           <a:cs typeface="+mn-cs"/>
         </a:defRPr>
       </a:lvl4pPr>
-      <a:lvl5pPr marL="2194560" algn="l" defTabSz="1097280" rtl="0" eaLnBrk="1" latinLnBrk="0" hangingPunct="1">
-        <a:defRPr sz="2160" kern="1200">
+      <a:lvl5pPr marL="2926080" algn="l" defTabSz="1463040" rtl="0" eaLnBrk="1" latinLnBrk="0" hangingPunct="1">
+        <a:defRPr sz="2880" kern="1200">
           <a:solidFill>
             <a:schemeClr val="tx1"/>
           </a:solidFill>
@@ -2909,8 +2909,8 @@
           <a:cs typeface="+mn-cs"/>
         </a:defRPr>
       </a:lvl5pPr>
-      <a:lvl6pPr marL="2743200" algn="l" defTabSz="1097280" rtl="0" eaLnBrk="1" latinLnBrk="0" hangingPunct="1">
-        <a:defRPr sz="2160" kern="1200">
+      <a:lvl6pPr marL="3657600" algn="l" defTabSz="1463040" rtl="0" eaLnBrk="1" latinLnBrk="0" hangingPunct="1">
+        <a:defRPr sz="2880" kern="1200">
           <a:solidFill>
             <a:schemeClr val="tx1"/>
           </a:solidFill>
@@ -2919,8 +2919,8 @@
           <a:cs typeface="+mn-cs"/>
         </a:defRPr>
       </a:lvl6pPr>
-      <a:lvl7pPr marL="3291840" algn="l" defTabSz="1097280" rtl="0" eaLnBrk="1" latinLnBrk="0" hangingPunct="1">
-        <a:defRPr sz="2160" kern="1200">
+      <a:lvl7pPr marL="4389120" algn="l" defTabSz="1463040" rtl="0" eaLnBrk="1" latinLnBrk="0" hangingPunct="1">
+        <a:defRPr sz="2880" kern="1200">
           <a:solidFill>
             <a:schemeClr val="tx1"/>
           </a:solidFill>
@@ -2929,8 +2929,8 @@
           <a:cs typeface="+mn-cs"/>
         </a:defRPr>
       </a:lvl7pPr>
-      <a:lvl8pPr marL="3840480" algn="l" defTabSz="1097280" rtl="0" eaLnBrk="1" latinLnBrk="0" hangingPunct="1">
-        <a:defRPr sz="2160" kern="1200">
+      <a:lvl8pPr marL="5120640" algn="l" defTabSz="1463040" rtl="0" eaLnBrk="1" latinLnBrk="0" hangingPunct="1">
+        <a:defRPr sz="2880" kern="1200">
           <a:solidFill>
             <a:schemeClr val="tx1"/>
           </a:solidFill>
@@ -2939,8 +2939,8 @@
           <a:cs typeface="+mn-cs"/>
         </a:defRPr>
       </a:lvl8pPr>
-      <a:lvl9pPr marL="4389120" algn="l" defTabSz="1097280" rtl="0" eaLnBrk="1" latinLnBrk="0" hangingPunct="1">
-        <a:defRPr sz="2160" kern="1200">
+      <a:lvl9pPr marL="5852160" algn="l" defTabSz="1463040" rtl="0" eaLnBrk="1" latinLnBrk="0" hangingPunct="1">
+        <a:defRPr sz="2880" kern="1200">
           <a:solidFill>
             <a:schemeClr val="tx1"/>
           </a:solidFill>
@@ -2985,8 +2985,8 @@
         </p:nvSpPr>
         <p:spPr>
           <a:xfrm>
-            <a:off x="6586990" y="1185864"/>
-            <a:ext cx="2144434" cy="914400"/>
+            <a:off x="11830849" y="2866729"/>
+            <a:ext cx="1803638" cy="914400"/>
           </a:xfrm>
           <a:prstGeom prst="rect">
             <a:avLst/>
@@ -3044,7 +3044,7 @@
         </p:nvSpPr>
         <p:spPr>
           <a:xfrm>
-            <a:off x="9198046" y="2244789"/>
+            <a:off x="7520195" y="1680299"/>
             <a:ext cx="1465385" cy="655994"/>
           </a:xfrm>
           <a:prstGeom prst="rect">
@@ -3103,7 +3103,7 @@
         </p:nvSpPr>
         <p:spPr>
           <a:xfrm>
-            <a:off x="656122" y="928503"/>
+            <a:off x="1296095" y="772526"/>
             <a:ext cx="1979834" cy="890953"/>
           </a:xfrm>
           <a:prstGeom prst="rect">
@@ -3162,8 +3162,8 @@
         </p:nvSpPr>
         <p:spPr>
           <a:xfrm>
-            <a:off x="9796940" y="3829929"/>
-            <a:ext cx="2127259" cy="691534"/>
+            <a:off x="11916048" y="4555845"/>
+            <a:ext cx="2127259" cy="950988"/>
           </a:xfrm>
           <a:prstGeom prst="rect">
             <a:avLst/>
@@ -3202,7 +3202,7 @@
                   <a:schemeClr val="tx1"/>
                 </a:solidFill>
               </a:rPr>
-              <a:t>Aggregation of solid material fragments</a:t>
+              <a:t>Aggregation of solid material fragments or particles</a:t>
             </a:r>
           </a:p>
         </p:txBody>
@@ -3221,8 +3221,8 @@
         </p:nvSpPr>
         <p:spPr>
           <a:xfrm>
-            <a:off x="6502575" y="2739015"/>
-            <a:ext cx="1287193" cy="559190"/>
+            <a:off x="10302714" y="4537242"/>
+            <a:ext cx="1287193" cy="512391"/>
           </a:xfrm>
           <a:prstGeom prst="rect">
             <a:avLst/>
@@ -3280,7 +3280,7 @@
         </p:nvSpPr>
         <p:spPr>
           <a:xfrm>
-            <a:off x="434247" y="2656077"/>
+            <a:off x="862143" y="2832446"/>
             <a:ext cx="2423585" cy="646331"/>
           </a:xfrm>
           <a:prstGeom prst="rect">
@@ -3339,7 +3339,7 @@
         </p:nvSpPr>
         <p:spPr>
           <a:xfrm>
-            <a:off x="137391" y="3930083"/>
+            <a:off x="514434" y="4366784"/>
             <a:ext cx="2964027" cy="732025"/>
           </a:xfrm>
           <a:prstGeom prst="rect">
@@ -3398,8 +3398,8 @@
         </p:nvSpPr>
         <p:spPr>
           <a:xfrm>
-            <a:off x="677107" y="5459573"/>
-            <a:ext cx="1599034" cy="597878"/>
+            <a:off x="571497" y="5969193"/>
+            <a:ext cx="1841894" cy="597878"/>
           </a:xfrm>
           <a:prstGeom prst="rect">
             <a:avLst/>
@@ -3438,7 +3438,7 @@
                   <a:schemeClr val="tx1"/>
                 </a:solidFill>
               </a:rPr>
-              <a:t>Part of a single organism</a:t>
+              <a:t>Organic part of a single organism</a:t>
             </a:r>
           </a:p>
         </p:txBody>
@@ -3457,7 +3457,7 @@
         </p:nvSpPr>
         <p:spPr>
           <a:xfrm>
-            <a:off x="3714213" y="1010526"/>
+            <a:off x="4512325" y="1078843"/>
             <a:ext cx="1969476" cy="914399"/>
           </a:xfrm>
           <a:prstGeom prst="rect">
@@ -3516,7 +3516,7 @@
         </p:nvSpPr>
         <p:spPr>
           <a:xfrm>
-            <a:off x="138926" y="6562076"/>
+            <a:off x="329558" y="7224103"/>
             <a:ext cx="1162344" cy="646331"/>
           </a:xfrm>
           <a:prstGeom prst="rect">
@@ -3538,53 +3538,6 @@
           </a:p>
         </p:txBody>
       </p:sp>
-      <p:cxnSp>
-        <p:nvCxnSpPr>
-          <p:cNvPr id="33" name="Straight Arrow Connector 32">
-            <a:extLst>
-              <a:ext uri="{FF2B5EF4-FFF2-40B4-BE49-F238E27FC236}">
-                <a16:creationId xmlns:a16="http://schemas.microsoft.com/office/drawing/2014/main" id="{3ACEBC0F-B6F0-455E-AF87-B0276FCD5CDB}"/>
-              </a:ext>
-            </a:extLst>
-          </p:cNvPr>
-          <p:cNvCxnSpPr>
-            <a:cxnSpLocks/>
-            <a:stCxn id="13" idx="2"/>
-            <a:endCxn id="159" idx="1"/>
-          </p:cNvCxnSpPr>
-          <p:nvPr/>
-        </p:nvCxnSpPr>
-        <p:spPr>
-          <a:xfrm>
-            <a:off x="1619405" y="4662107"/>
-            <a:ext cx="1121061" cy="588570"/>
-          </a:xfrm>
-          <a:prstGeom prst="straightConnector1">
-            <a:avLst/>
-          </a:prstGeom>
-          <a:ln w="57150">
-            <a:solidFill>
-              <a:srgbClr val="00B050"/>
-            </a:solidFill>
-            <a:headEnd type="none" w="med" len="med"/>
-            <a:tailEnd type="triangle" w="med" len="med"/>
-          </a:ln>
-        </p:spPr>
-        <p:style>
-          <a:lnRef idx="1">
-            <a:schemeClr val="accent1"/>
-          </a:lnRef>
-          <a:fillRef idx="0">
-            <a:schemeClr val="accent1"/>
-          </a:fillRef>
-          <a:effectRef idx="0">
-            <a:schemeClr val="accent1"/>
-          </a:effectRef>
-          <a:fontRef idx="minor">
-            <a:schemeClr val="tx1"/>
-          </a:fontRef>
-        </p:style>
-      </p:cxnSp>
       <p:cxnSp>
         <p:nvCxnSpPr>
           <p:cNvPr id="34" name="Straight Arrow Connector 33">
@@ -3603,8 +3556,8 @@
         </p:nvCxnSpPr>
         <p:spPr>
           <a:xfrm>
-            <a:off x="2857832" y="2979243"/>
-            <a:ext cx="490595" cy="410994"/>
+            <a:off x="3285728" y="3155612"/>
+            <a:ext cx="645867" cy="467585"/>
           </a:xfrm>
           <a:prstGeom prst="straightConnector1">
             <a:avLst/>
@@ -3650,8 +3603,8 @@
         </p:nvCxnSpPr>
         <p:spPr>
           <a:xfrm>
-            <a:off x="2635957" y="1373979"/>
-            <a:ext cx="1078257" cy="93746"/>
+            <a:off x="3275929" y="1218003"/>
+            <a:ext cx="1236396" cy="318040"/>
           </a:xfrm>
           <a:prstGeom prst="straightConnector1">
             <a:avLst/>
@@ -3692,62 +3645,14 @@
           <p:cNvCxnSpPr>
             <a:cxnSpLocks/>
             <a:stCxn id="15" idx="3"/>
-            <a:endCxn id="4" idx="1"/>
-          </p:cNvCxnSpPr>
-          <p:nvPr/>
-        </p:nvCxnSpPr>
-        <p:spPr>
-          <a:xfrm>
-            <a:off x="5683689" y="1467726"/>
-            <a:ext cx="903301" cy="175338"/>
-          </a:xfrm>
-          <a:prstGeom prst="straightConnector1">
-            <a:avLst/>
-          </a:prstGeom>
-          <a:ln w="57150">
-            <a:solidFill>
-              <a:srgbClr val="FF0000"/>
-            </a:solidFill>
-            <a:prstDash val="sysDash"/>
-            <a:headEnd type="none" w="med" len="med"/>
-            <a:tailEnd type="triangle" w="med" len="med"/>
-          </a:ln>
-        </p:spPr>
-        <p:style>
-          <a:lnRef idx="1">
-            <a:schemeClr val="accent1"/>
-          </a:lnRef>
-          <a:fillRef idx="0">
-            <a:schemeClr val="accent1"/>
-          </a:fillRef>
-          <a:effectRef idx="0">
-            <a:schemeClr val="accent1"/>
-          </a:effectRef>
-          <a:fontRef idx="minor">
-            <a:schemeClr val="tx1"/>
-          </a:fontRef>
-        </p:style>
-      </p:cxnSp>
-      <p:cxnSp>
-        <p:nvCxnSpPr>
-          <p:cNvPr id="49" name="Straight Arrow Connector 48">
-            <a:extLst>
-              <a:ext uri="{FF2B5EF4-FFF2-40B4-BE49-F238E27FC236}">
-                <a16:creationId xmlns:a16="http://schemas.microsoft.com/office/drawing/2014/main" id="{556DDFAD-7330-4EA3-A048-B0880C601D52}"/>
-              </a:ext>
-            </a:extLst>
-          </p:cNvPr>
-          <p:cNvCxnSpPr>
-            <a:cxnSpLocks/>
-            <a:stCxn id="4" idx="2"/>
             <a:endCxn id="5" idx="1"/>
           </p:cNvCxnSpPr>
           <p:nvPr/>
         </p:nvCxnSpPr>
         <p:spPr>
           <a:xfrm>
-            <a:off x="7659207" y="2100264"/>
-            <a:ext cx="1538839" cy="472522"/>
+            <a:off x="6481801" y="1536043"/>
+            <a:ext cx="1038394" cy="472253"/>
           </a:xfrm>
           <a:prstGeom prst="straightConnector1">
             <a:avLst/>
@@ -3787,15 +3692,15 @@
           </p:cNvPr>
           <p:cNvCxnSpPr>
             <a:cxnSpLocks/>
-            <a:stCxn id="5" idx="2"/>
-            <a:endCxn id="8" idx="0"/>
+            <a:stCxn id="45" idx="2"/>
+            <a:endCxn id="157" idx="0"/>
           </p:cNvCxnSpPr>
           <p:nvPr/>
         </p:nvCxnSpPr>
         <p:spPr>
           <a:xfrm>
-            <a:off x="9930739" y="2900783"/>
-            <a:ext cx="929831" cy="929146"/>
+            <a:off x="13243780" y="6790792"/>
+            <a:ext cx="223442" cy="775946"/>
           </a:xfrm>
           <a:prstGeom prst="straightConnector1">
             <a:avLst/>
@@ -3842,8 +3747,8 @@
         </p:nvCxnSpPr>
         <p:spPr>
           <a:xfrm flipH="1">
-            <a:off x="720098" y="6057451"/>
-            <a:ext cx="756526" cy="504624"/>
+            <a:off x="910730" y="6567071"/>
+            <a:ext cx="581714" cy="657032"/>
           </a:xfrm>
           <a:prstGeom prst="straightConnector1">
             <a:avLst/>
@@ -3889,8 +3794,8 @@
         </p:nvCxnSpPr>
         <p:spPr>
           <a:xfrm flipH="1">
-            <a:off x="7146172" y="2100264"/>
-            <a:ext cx="513035" cy="638751"/>
+            <a:off x="10946311" y="3781129"/>
+            <a:ext cx="1786357" cy="756113"/>
           </a:xfrm>
           <a:prstGeom prst="straightConnector1">
             <a:avLst/>
@@ -3932,7 +3837,7 @@
         </p:nvSpPr>
         <p:spPr>
           <a:xfrm>
-            <a:off x="5440612" y="4004105"/>
+            <a:off x="9162982" y="6521398"/>
             <a:ext cx="1518085" cy="646331"/>
           </a:xfrm>
           <a:prstGeom prst="rect">
@@ -3949,7 +3854,7 @@
             <a:pPr algn="ctr"/>
             <a:r>
               <a:rPr lang="en-US" b="1" dirty="0"/>
-              <a:t>Piece of Solid material</a:t>
+              <a:t>Other solid object</a:t>
             </a:r>
           </a:p>
         </p:txBody>
@@ -3972,8 +3877,8 @@
         </p:nvCxnSpPr>
         <p:spPr>
           <a:xfrm flipH="1">
-            <a:off x="6199655" y="3298206"/>
-            <a:ext cx="946517" cy="705899"/>
+            <a:off x="9922025" y="5049633"/>
+            <a:ext cx="1024286" cy="1471765"/>
           </a:xfrm>
           <a:prstGeom prst="straightConnector1">
             <a:avLst/>
@@ -4013,15 +3918,15 @@
           </p:cNvPr>
           <p:cNvCxnSpPr>
             <a:cxnSpLocks/>
-            <a:stCxn id="9" idx="2"/>
+            <a:stCxn id="9" idx="1"/>
             <a:endCxn id="74" idx="0"/>
           </p:cNvCxnSpPr>
           <p:nvPr/>
         </p:nvCxnSpPr>
         <p:spPr>
-          <a:xfrm>
-            <a:off x="7146171" y="3298206"/>
-            <a:ext cx="926388" cy="877491"/>
+          <a:xfrm flipH="1">
+            <a:off x="7902541" y="4793438"/>
+            <a:ext cx="2400173" cy="1293493"/>
           </a:xfrm>
           <a:prstGeom prst="straightConnector1">
             <a:avLst/>
@@ -4063,7 +3968,7 @@
         </p:nvSpPr>
         <p:spPr>
           <a:xfrm>
-            <a:off x="7621410" y="4175696"/>
+            <a:off x="7451392" y="6086931"/>
             <a:ext cx="902298" cy="369332"/>
           </a:xfrm>
           <a:prstGeom prst="rect">
@@ -4098,7 +4003,7 @@
         </p:nvSpPr>
         <p:spPr>
           <a:xfrm>
-            <a:off x="4217367" y="2419640"/>
+            <a:off x="5332412" y="2944806"/>
             <a:ext cx="706027" cy="369332"/>
           </a:xfrm>
           <a:prstGeom prst="rect">
@@ -4136,9 +4041,9 @@
           <p:nvPr/>
         </p:nvCxnSpPr>
         <p:spPr>
-          <a:xfrm flipH="1">
-            <a:off x="4570381" y="1924925"/>
-            <a:ext cx="128570" cy="494715"/>
+          <a:xfrm>
+            <a:off x="5497063" y="1993242"/>
+            <a:ext cx="188363" cy="951564"/>
           </a:xfrm>
           <a:prstGeom prst="straightConnector1">
             <a:avLst/>
@@ -4184,8 +4089,8 @@
         </p:nvCxnSpPr>
         <p:spPr>
           <a:xfrm flipH="1">
-            <a:off x="9095236" y="2900783"/>
-            <a:ext cx="835503" cy="427206"/>
+            <a:off x="8120523" y="2336293"/>
+            <a:ext cx="132365" cy="569691"/>
           </a:xfrm>
           <a:prstGeom prst="straightConnector1">
             <a:avLst/>
@@ -4227,7 +4132,7 @@
         </p:nvSpPr>
         <p:spPr>
           <a:xfrm>
-            <a:off x="8460431" y="3327989"/>
+            <a:off x="7485718" y="2905984"/>
             <a:ext cx="1269610" cy="646331"/>
           </a:xfrm>
           <a:prstGeom prst="rect">
@@ -4266,8 +4171,8 @@
         </p:nvCxnSpPr>
         <p:spPr>
           <a:xfrm flipH="1">
-            <a:off x="9669227" y="5909114"/>
-            <a:ext cx="1094480" cy="629776"/>
+            <a:off x="11645264" y="6790792"/>
+            <a:ext cx="1598516" cy="1414755"/>
           </a:xfrm>
           <a:prstGeom prst="straightConnector1">
             <a:avLst/>
@@ -4312,9 +4217,9 @@
           <p:nvPr/>
         </p:nvCxnSpPr>
         <p:spPr>
-          <a:xfrm>
-            <a:off x="1646039" y="1819456"/>
-            <a:ext cx="0" cy="836621"/>
+          <a:xfrm flipH="1">
+            <a:off x="2073936" y="1663479"/>
+            <a:ext cx="212076" cy="1168967"/>
           </a:xfrm>
           <a:prstGeom prst="straightConnector1">
             <a:avLst/>
@@ -4360,8 +4265,8 @@
         </p:nvCxnSpPr>
         <p:spPr>
           <a:xfrm flipH="1">
-            <a:off x="1619405" y="3302408"/>
-            <a:ext cx="26635" cy="627675"/>
+            <a:off x="1996448" y="3478777"/>
+            <a:ext cx="77488" cy="888007"/>
           </a:xfrm>
           <a:prstGeom prst="straightConnector1">
             <a:avLst/>
@@ -4408,8 +4313,8 @@
         </p:nvCxnSpPr>
         <p:spPr>
           <a:xfrm flipH="1">
-            <a:off x="1476624" y="4662107"/>
-            <a:ext cx="142780" cy="797466"/>
+            <a:off x="1492444" y="5098809"/>
+            <a:ext cx="504004" cy="870384"/>
           </a:xfrm>
           <a:prstGeom prst="straightConnector1">
             <a:avLst/>
@@ -4452,7 +4357,7 @@
         </p:nvSpPr>
         <p:spPr>
           <a:xfrm>
-            <a:off x="3348427" y="3205571"/>
+            <a:off x="3931595" y="3438531"/>
             <a:ext cx="1941429" cy="369332"/>
           </a:xfrm>
           <a:prstGeom prst="rect">
@@ -4490,7 +4395,7 @@
         </p:nvCxnSpPr>
         <p:spPr>
           <a:xfrm>
-            <a:off x="10433024" y="1762257"/>
+            <a:off x="11814577" y="943757"/>
             <a:ext cx="1146886" cy="31850"/>
           </a:xfrm>
           <a:prstGeom prst="straightConnector1">
@@ -4536,7 +4441,7 @@
         </p:nvCxnSpPr>
         <p:spPr>
           <a:xfrm>
-            <a:off x="10576018" y="1316517"/>
+            <a:off x="11957575" y="498021"/>
             <a:ext cx="860899" cy="5799"/>
           </a:xfrm>
           <a:prstGeom prst="straightConnector1">
@@ -4579,7 +4484,7 @@
         </p:nvSpPr>
         <p:spPr>
           <a:xfrm>
-            <a:off x="10700899" y="896541"/>
+            <a:off x="12082453" y="78042"/>
             <a:ext cx="485518" cy="369332"/>
           </a:xfrm>
           <a:prstGeom prst="rect">
@@ -4614,7 +4519,7 @@
         </p:nvSpPr>
         <p:spPr>
           <a:xfrm>
-            <a:off x="10763707" y="1443170"/>
+            <a:off x="12145261" y="624671"/>
             <a:ext cx="455574" cy="369332"/>
           </a:xfrm>
           <a:prstGeom prst="rect">
@@ -4649,7 +4554,7 @@
         </p:nvSpPr>
         <p:spPr>
           <a:xfrm>
-            <a:off x="10700899" y="6677389"/>
+            <a:off x="12797968" y="7566738"/>
             <a:ext cx="1338508" cy="369332"/>
           </a:xfrm>
           <a:prstGeom prst="rect">
@@ -4670,42 +4575,6 @@
           </a:p>
         </p:txBody>
       </p:sp>
-      <p:sp>
-        <p:nvSpPr>
-          <p:cNvPr id="159" name="TextBox 158">
-            <a:extLst>
-              <a:ext uri="{FF2B5EF4-FFF2-40B4-BE49-F238E27FC236}">
-                <a16:creationId xmlns:a16="http://schemas.microsoft.com/office/drawing/2014/main" id="{AF74CC92-6DFE-4DF6-A318-F2FFE8F962DF}"/>
-              </a:ext>
-            </a:extLst>
-          </p:cNvPr>
-          <p:cNvSpPr txBox="1"/>
-          <p:nvPr/>
-        </p:nvSpPr>
-        <p:spPr>
-          <a:xfrm>
-            <a:off x="2740465" y="5066011"/>
-            <a:ext cx="2098812" cy="369332"/>
-          </a:xfrm>
-          <a:prstGeom prst="rect">
-            <a:avLst/>
-          </a:prstGeom>
-          <a:noFill/>
-        </p:spPr>
-        <p:txBody>
-          <a:bodyPr wrap="square" rtlCol="0">
-            <a:spAutoFit/>
-          </a:bodyPr>
-          <a:lstStyle/>
-          <a:p>
-            <a:pPr algn="ctr"/>
-            <a:r>
-              <a:rPr lang="en-US" b="1" dirty="0"/>
-              <a:t>Biome aggregation</a:t>
-            </a:r>
-          </a:p>
-        </p:txBody>
-      </p:sp>
       <p:cxnSp>
         <p:nvCxnSpPr>
           <p:cNvPr id="196" name="Straight Arrow Connector 195">
@@ -4717,18 +4586,20 @@
           </p:cNvPr>
           <p:cNvCxnSpPr>
             <a:cxnSpLocks/>
-            <a:stCxn id="8" idx="2"/>
+            <a:stCxn id="8" idx="1"/>
             <a:endCxn id="199" idx="3"/>
           </p:cNvCxnSpPr>
           <p:nvPr/>
         </p:nvCxnSpPr>
         <p:spPr>
-          <a:xfrm flipH="1">
-            <a:off x="6255401" y="4521463"/>
-            <a:ext cx="4605169" cy="1939892"/>
-          </a:xfrm>
-          <a:prstGeom prst="straightConnector1">
-            <a:avLst/>
+          <a:xfrm rot="10800000" flipV="1">
+            <a:off x="8572466" y="5031339"/>
+            <a:ext cx="3343582" cy="3497374"/>
+          </a:xfrm>
+          <a:prstGeom prst="curvedConnector3">
+            <a:avLst>
+              <a:gd name="adj1" fmla="val 8598"/>
+            </a:avLst>
           </a:prstGeom>
           <a:ln w="57150">
             <a:solidFill>
@@ -4768,7 +4639,7 @@
         </p:nvSpPr>
         <p:spPr>
           <a:xfrm>
-            <a:off x="4600098" y="6138190"/>
+            <a:off x="6917163" y="8205547"/>
             <a:ext cx="1655303" cy="646331"/>
           </a:xfrm>
           <a:prstGeom prst="rect">
@@ -4802,14 +4673,14 @@
           <p:cNvCxnSpPr>
             <a:cxnSpLocks/>
             <a:stCxn id="14" idx="3"/>
-            <a:endCxn id="199" idx="1"/>
+            <a:endCxn id="48" idx="0"/>
           </p:cNvCxnSpPr>
           <p:nvPr/>
         </p:nvCxnSpPr>
         <p:spPr>
           <a:xfrm>
-            <a:off x="2276141" y="5758513"/>
-            <a:ext cx="2323956" cy="702843"/>
+            <a:off x="2413391" y="6268132"/>
+            <a:ext cx="615788" cy="1429997"/>
           </a:xfrm>
           <a:prstGeom prst="straightConnector1">
             <a:avLst/>
@@ -4852,7 +4723,7 @@
         </p:nvSpPr>
         <p:spPr>
           <a:xfrm>
-            <a:off x="10120762" y="5278636"/>
+            <a:off x="12600835" y="6160314"/>
             <a:ext cx="1285890" cy="630478"/>
           </a:xfrm>
           <a:prstGeom prst="rect">
@@ -4914,9 +4785,9 @@
           <p:nvPr/>
         </p:nvCxnSpPr>
         <p:spPr>
-          <a:xfrm flipH="1">
-            <a:off x="10763707" y="4521463"/>
-            <a:ext cx="96863" cy="757173"/>
+          <a:xfrm>
+            <a:off x="12979678" y="5506833"/>
+            <a:ext cx="264102" cy="653481"/>
           </a:xfrm>
           <a:prstGeom prst="straightConnector1">
             <a:avLst/>
@@ -4958,7 +4829,7 @@
         </p:nvSpPr>
         <p:spPr>
           <a:xfrm>
-            <a:off x="8851753" y="6538890"/>
+            <a:off x="10827790" y="8205547"/>
             <a:ext cx="1634948" cy="646331"/>
           </a:xfrm>
           <a:prstGeom prst="rect">
@@ -4991,15 +4862,15 @@
           </p:cNvPr>
           <p:cNvCxnSpPr>
             <a:cxnSpLocks/>
-            <a:stCxn id="45" idx="2"/>
-            <a:endCxn id="157" idx="0"/>
+            <a:stCxn id="4" idx="2"/>
+            <a:endCxn id="8" idx="0"/>
           </p:cNvCxnSpPr>
           <p:nvPr/>
         </p:nvCxnSpPr>
         <p:spPr>
           <a:xfrm>
-            <a:off x="10763707" y="5909114"/>
-            <a:ext cx="606446" cy="768275"/>
+            <a:off x="12732668" y="3781129"/>
+            <a:ext cx="247010" cy="774716"/>
           </a:xfrm>
           <a:prstGeom prst="straightConnector1">
             <a:avLst/>
@@ -5042,7 +4913,7 @@
         </p:nvSpPr>
         <p:spPr>
           <a:xfrm>
-            <a:off x="505909" y="222603"/>
+            <a:off x="821939" y="126195"/>
             <a:ext cx="1941429" cy="646331"/>
           </a:xfrm>
           <a:prstGeom prst="rect">
@@ -5078,7 +4949,7 @@
         </p:nvSpPr>
         <p:spPr>
           <a:xfrm>
-            <a:off x="1521897" y="7302778"/>
+            <a:off x="2965106" y="9789194"/>
             <a:ext cx="8487566" cy="646331"/>
           </a:xfrm>
           <a:prstGeom prst="rect">
@@ -5100,6 +4971,1037 @@
             <a:r>
               <a:rPr lang="en-US" sz="3600" b="1" dirty="0"/>
               <a:t> Specimen Type Decision Tree</a:t>
+            </a:r>
+          </a:p>
+        </p:txBody>
+      </p:sp>
+      <p:sp>
+        <p:nvSpPr>
+          <p:cNvPr id="48" name="Rectangle 47">
+            <a:extLst>
+              <a:ext uri="{FF2B5EF4-FFF2-40B4-BE49-F238E27FC236}">
+                <a16:creationId xmlns:a16="http://schemas.microsoft.com/office/drawing/2014/main" id="{37F784D8-8928-47DB-9E3B-0C862DC6AA6C}"/>
+              </a:ext>
+            </a:extLst>
+          </p:cNvPr>
+          <p:cNvSpPr/>
+          <p:nvPr/>
+        </p:nvSpPr>
+        <p:spPr>
+          <a:xfrm>
+            <a:off x="2035087" y="7698129"/>
+            <a:ext cx="1988183" cy="597878"/>
+          </a:xfrm>
+          <a:prstGeom prst="rect">
+            <a:avLst/>
+          </a:prstGeom>
+          <a:solidFill>
+            <a:schemeClr val="accent3">
+              <a:lumMod val="40000"/>
+              <a:lumOff val="60000"/>
+            </a:schemeClr>
+          </a:solidFill>
+        </p:spPr>
+        <p:style>
+          <a:lnRef idx="2">
+            <a:schemeClr val="accent1">
+              <a:shade val="50000"/>
+            </a:schemeClr>
+          </a:lnRef>
+          <a:fillRef idx="1">
+            <a:schemeClr val="accent1"/>
+          </a:fillRef>
+          <a:effectRef idx="0">
+            <a:schemeClr val="accent1"/>
+          </a:effectRef>
+          <a:fontRef idx="minor">
+            <a:schemeClr val="lt1"/>
+          </a:fontRef>
+        </p:style>
+        <p:txBody>
+          <a:bodyPr rtlCol="0" anchor="ctr"/>
+          <a:lstStyle/>
+          <a:p>
+            <a:pPr algn="ctr"/>
+            <a:r>
+              <a:rPr lang="en-US" dirty="0">
+                <a:solidFill>
+                  <a:schemeClr val="tx1"/>
+                </a:solidFill>
+              </a:rPr>
+              <a:t>Product of an organism</a:t>
+            </a:r>
+          </a:p>
+        </p:txBody>
+      </p:sp>
+      <p:cxnSp>
+        <p:nvCxnSpPr>
+          <p:cNvPr id="54" name="Straight Arrow Connector 53">
+            <a:extLst>
+              <a:ext uri="{FF2B5EF4-FFF2-40B4-BE49-F238E27FC236}">
+                <a16:creationId xmlns:a16="http://schemas.microsoft.com/office/drawing/2014/main" id="{31D35338-9D1E-49CA-9BEB-BA485246F657}"/>
+              </a:ext>
+            </a:extLst>
+          </p:cNvPr>
+          <p:cNvCxnSpPr>
+            <a:cxnSpLocks/>
+            <a:stCxn id="13" idx="2"/>
+            <a:endCxn id="55" idx="1"/>
+          </p:cNvCxnSpPr>
+          <p:nvPr/>
+        </p:nvCxnSpPr>
+        <p:spPr>
+          <a:xfrm>
+            <a:off x="1996448" y="5098809"/>
+            <a:ext cx="1015326" cy="577941"/>
+          </a:xfrm>
+          <a:prstGeom prst="straightConnector1">
+            <a:avLst/>
+          </a:prstGeom>
+          <a:ln w="57150">
+            <a:solidFill>
+              <a:srgbClr val="00B050"/>
+            </a:solidFill>
+            <a:headEnd type="none" w="med" len="med"/>
+            <a:tailEnd type="triangle" w="med" len="med"/>
+          </a:ln>
+        </p:spPr>
+        <p:style>
+          <a:lnRef idx="1">
+            <a:schemeClr val="accent1"/>
+          </a:lnRef>
+          <a:fillRef idx="0">
+            <a:schemeClr val="accent1"/>
+          </a:fillRef>
+          <a:effectRef idx="0">
+            <a:schemeClr val="accent1"/>
+          </a:effectRef>
+          <a:fontRef idx="minor">
+            <a:schemeClr val="tx1"/>
+          </a:fontRef>
+        </p:style>
+      </p:cxnSp>
+      <p:sp>
+        <p:nvSpPr>
+          <p:cNvPr id="55" name="TextBox 54">
+            <a:extLst>
+              <a:ext uri="{FF2B5EF4-FFF2-40B4-BE49-F238E27FC236}">
+                <a16:creationId xmlns:a16="http://schemas.microsoft.com/office/drawing/2014/main" id="{AAEA5FEF-F458-4428-B1BE-919F03F5148B}"/>
+              </a:ext>
+            </a:extLst>
+          </p:cNvPr>
+          <p:cNvSpPr txBox="1"/>
+          <p:nvPr/>
+        </p:nvSpPr>
+        <p:spPr>
+          <a:xfrm>
+            <a:off x="3011774" y="5492084"/>
+            <a:ext cx="2098812" cy="369332"/>
+          </a:xfrm>
+          <a:prstGeom prst="rect">
+            <a:avLst/>
+          </a:prstGeom>
+          <a:noFill/>
+        </p:spPr>
+        <p:txBody>
+          <a:bodyPr wrap="square" rtlCol="0">
+            <a:spAutoFit/>
+          </a:bodyPr>
+          <a:lstStyle/>
+          <a:p>
+            <a:pPr algn="ctr"/>
+            <a:r>
+              <a:rPr lang="en-US" b="1" dirty="0"/>
+              <a:t>Biome aggregation</a:t>
+            </a:r>
+          </a:p>
+        </p:txBody>
+      </p:sp>
+      <p:cxnSp>
+        <p:nvCxnSpPr>
+          <p:cNvPr id="56" name="Straight Arrow Connector 55">
+            <a:extLst>
+              <a:ext uri="{FF2B5EF4-FFF2-40B4-BE49-F238E27FC236}">
+                <a16:creationId xmlns:a16="http://schemas.microsoft.com/office/drawing/2014/main" id="{39ADC733-08E2-4F74-AE0A-59FAB68653EC}"/>
+              </a:ext>
+            </a:extLst>
+          </p:cNvPr>
+          <p:cNvCxnSpPr>
+            <a:cxnSpLocks/>
+            <a:stCxn id="48" idx="2"/>
+            <a:endCxn id="57" idx="0"/>
+          </p:cNvCxnSpPr>
+          <p:nvPr/>
+        </p:nvCxnSpPr>
+        <p:spPr>
+          <a:xfrm flipH="1">
+            <a:off x="2993827" y="8296007"/>
+            <a:ext cx="35352" cy="580990"/>
+          </a:xfrm>
+          <a:prstGeom prst="straightConnector1">
+            <a:avLst/>
+          </a:prstGeom>
+          <a:ln w="57150">
+            <a:solidFill>
+              <a:srgbClr val="00B050"/>
+            </a:solidFill>
+            <a:headEnd type="none" w="med" len="med"/>
+            <a:tailEnd type="triangle" w="med" len="med"/>
+          </a:ln>
+        </p:spPr>
+        <p:style>
+          <a:lnRef idx="1">
+            <a:schemeClr val="accent1"/>
+          </a:lnRef>
+          <a:fillRef idx="0">
+            <a:schemeClr val="accent1"/>
+          </a:fillRef>
+          <a:effectRef idx="0">
+            <a:schemeClr val="accent1"/>
+          </a:effectRef>
+          <a:fontRef idx="minor">
+            <a:schemeClr val="tx1"/>
+          </a:fontRef>
+        </p:style>
+      </p:cxnSp>
+      <p:sp>
+        <p:nvSpPr>
+          <p:cNvPr id="57" name="TextBox 56">
+            <a:extLst>
+              <a:ext uri="{FF2B5EF4-FFF2-40B4-BE49-F238E27FC236}">
+                <a16:creationId xmlns:a16="http://schemas.microsoft.com/office/drawing/2014/main" id="{ED0A3D45-2A50-4E51-A855-0198F12C6AFC}"/>
+              </a:ext>
+            </a:extLst>
+          </p:cNvPr>
+          <p:cNvSpPr txBox="1"/>
+          <p:nvPr/>
+        </p:nvSpPr>
+        <p:spPr>
+          <a:xfrm>
+            <a:off x="1999735" y="8876997"/>
+            <a:ext cx="1988183" cy="369332"/>
+          </a:xfrm>
+          <a:prstGeom prst="rect">
+            <a:avLst/>
+          </a:prstGeom>
+          <a:noFill/>
+        </p:spPr>
+        <p:txBody>
+          <a:bodyPr wrap="square" rtlCol="0">
+            <a:spAutoFit/>
+          </a:bodyPr>
+          <a:lstStyle/>
+          <a:p>
+            <a:pPr algn="ctr"/>
+            <a:r>
+              <a:rPr lang="en-US" b="1" dirty="0"/>
+              <a:t>Organism product</a:t>
+            </a:r>
+          </a:p>
+        </p:txBody>
+      </p:sp>
+      <p:cxnSp>
+        <p:nvCxnSpPr>
+          <p:cNvPr id="63" name="Straight Arrow Connector 62">
+            <a:extLst>
+              <a:ext uri="{FF2B5EF4-FFF2-40B4-BE49-F238E27FC236}">
+                <a16:creationId xmlns:a16="http://schemas.microsoft.com/office/drawing/2014/main" id="{5099DDBB-29AC-43C0-B1BC-DE61F129D588}"/>
+              </a:ext>
+            </a:extLst>
+          </p:cNvPr>
+          <p:cNvCxnSpPr>
+            <a:cxnSpLocks/>
+            <a:stCxn id="48" idx="3"/>
+            <a:endCxn id="199" idx="1"/>
+          </p:cNvCxnSpPr>
+          <p:nvPr/>
+        </p:nvCxnSpPr>
+        <p:spPr>
+          <a:xfrm>
+            <a:off x="4023270" y="7997068"/>
+            <a:ext cx="2893893" cy="531645"/>
+          </a:xfrm>
+          <a:prstGeom prst="straightConnector1">
+            <a:avLst/>
+          </a:prstGeom>
+          <a:ln w="57150">
+            <a:solidFill>
+              <a:srgbClr val="FF0000"/>
+            </a:solidFill>
+            <a:prstDash val="sysDash"/>
+            <a:headEnd type="none" w="med" len="med"/>
+            <a:tailEnd type="triangle" w="med" len="med"/>
+          </a:ln>
+        </p:spPr>
+        <p:style>
+          <a:lnRef idx="1">
+            <a:schemeClr val="accent1"/>
+          </a:lnRef>
+          <a:fillRef idx="0">
+            <a:schemeClr val="accent1"/>
+          </a:fillRef>
+          <a:effectRef idx="0">
+            <a:schemeClr val="accent1"/>
+          </a:effectRef>
+          <a:fontRef idx="minor">
+            <a:schemeClr val="tx1"/>
+          </a:fontRef>
+        </p:style>
+      </p:cxnSp>
+      <p:sp>
+        <p:nvSpPr>
+          <p:cNvPr id="66" name="TextBox 65">
+            <a:extLst>
+              <a:ext uri="{FF2B5EF4-FFF2-40B4-BE49-F238E27FC236}">
+                <a16:creationId xmlns:a16="http://schemas.microsoft.com/office/drawing/2014/main" id="{2FC09A00-F9DC-45CF-86EB-667DB9CDA0C7}"/>
+              </a:ext>
+            </a:extLst>
+          </p:cNvPr>
+          <p:cNvSpPr txBox="1"/>
+          <p:nvPr/>
+        </p:nvSpPr>
+        <p:spPr>
+          <a:xfrm>
+            <a:off x="1888439" y="9188536"/>
+            <a:ext cx="2405388" cy="400110"/>
+          </a:xfrm>
+          <a:prstGeom prst="rect">
+            <a:avLst/>
+          </a:prstGeom>
+          <a:noFill/>
+        </p:spPr>
+        <p:txBody>
+          <a:bodyPr wrap="square" rtlCol="0">
+            <a:spAutoFit/>
+          </a:bodyPr>
+          <a:lstStyle/>
+          <a:p>
+            <a:r>
+              <a:rPr lang="en-US" sz="1000" dirty="0"/>
+              <a:t>Shell,  antler, coral skeleton (organic tissue not included), fecal matter. </a:t>
+            </a:r>
+          </a:p>
+        </p:txBody>
+      </p:sp>
+      <p:sp>
+        <p:nvSpPr>
+          <p:cNvPr id="70" name="TextBox 69">
+            <a:extLst>
+              <a:ext uri="{FF2B5EF4-FFF2-40B4-BE49-F238E27FC236}">
+                <a16:creationId xmlns:a16="http://schemas.microsoft.com/office/drawing/2014/main" id="{F6032D6F-83E8-45C0-8878-B11C1168C357}"/>
+              </a:ext>
+            </a:extLst>
+          </p:cNvPr>
+          <p:cNvSpPr txBox="1"/>
+          <p:nvPr/>
+        </p:nvSpPr>
+        <p:spPr>
+          <a:xfrm>
+            <a:off x="208937" y="7778533"/>
+            <a:ext cx="1619132" cy="553998"/>
+          </a:xfrm>
+          <a:prstGeom prst="rect">
+            <a:avLst/>
+          </a:prstGeom>
+          <a:noFill/>
+        </p:spPr>
+        <p:txBody>
+          <a:bodyPr wrap="square" rtlCol="0">
+            <a:spAutoFit/>
+          </a:bodyPr>
+          <a:lstStyle/>
+          <a:p>
+            <a:r>
+              <a:rPr lang="en-US" sz="1000" dirty="0"/>
+              <a:t>Tissue, chitin, teeth, claws, bone, horn (with organic tissue included)</a:t>
+            </a:r>
+          </a:p>
+        </p:txBody>
+      </p:sp>
+      <p:sp>
+        <p:nvSpPr>
+          <p:cNvPr id="75" name="TextBox 74">
+            <a:extLst>
+              <a:ext uri="{FF2B5EF4-FFF2-40B4-BE49-F238E27FC236}">
+                <a16:creationId xmlns:a16="http://schemas.microsoft.com/office/drawing/2014/main" id="{9A9B3575-0FFB-44E7-AF69-13A1AF624AFD}"/>
+              </a:ext>
+            </a:extLst>
+          </p:cNvPr>
+          <p:cNvSpPr txBox="1"/>
+          <p:nvPr/>
+        </p:nvSpPr>
+        <p:spPr>
+          <a:xfrm>
+            <a:off x="10558812" y="8892386"/>
+            <a:ext cx="2168208" cy="707886"/>
+          </a:xfrm>
+          <a:prstGeom prst="rect">
+            <a:avLst/>
+          </a:prstGeom>
+          <a:noFill/>
+        </p:spPr>
+        <p:txBody>
+          <a:bodyPr wrap="square" rtlCol="0">
+            <a:spAutoFit/>
+          </a:bodyPr>
+          <a:lstStyle/>
+          <a:p>
+            <a:r>
+              <a:rPr lang="en-US" sz="1000" dirty="0"/>
+              <a:t>Building rubble, pot sherd collection, slag, miscellaneous waste material. The individual particles or objects are made by humans.</a:t>
+            </a:r>
+          </a:p>
+        </p:txBody>
+      </p:sp>
+      <p:sp>
+        <p:nvSpPr>
+          <p:cNvPr id="76" name="TextBox 75">
+            <a:extLst>
+              <a:ext uri="{FF2B5EF4-FFF2-40B4-BE49-F238E27FC236}">
+                <a16:creationId xmlns:a16="http://schemas.microsoft.com/office/drawing/2014/main" id="{FB1BD11C-EED5-4F17-8B16-6318F5F4F3D7}"/>
+              </a:ext>
+            </a:extLst>
+          </p:cNvPr>
+          <p:cNvSpPr txBox="1"/>
+          <p:nvPr/>
+        </p:nvSpPr>
+        <p:spPr>
+          <a:xfrm>
+            <a:off x="3796650" y="2149053"/>
+            <a:ext cx="1832080" cy="707886"/>
+          </a:xfrm>
+          <a:prstGeom prst="rect">
+            <a:avLst/>
+          </a:prstGeom>
+          <a:noFill/>
+        </p:spPr>
+        <p:txBody>
+          <a:bodyPr wrap="square" rtlCol="0">
+            <a:spAutoFit/>
+          </a:bodyPr>
+          <a:lstStyle/>
+          <a:p>
+            <a:r>
+              <a:rPr lang="en-US" sz="1000" dirty="0"/>
+              <a:t>Fossilization implies replacement of material by new phases, along with loss of most organic material</a:t>
+            </a:r>
+          </a:p>
+        </p:txBody>
+      </p:sp>
+      <p:sp>
+        <p:nvSpPr>
+          <p:cNvPr id="79" name="TextBox 78">
+            <a:extLst>
+              <a:ext uri="{FF2B5EF4-FFF2-40B4-BE49-F238E27FC236}">
+                <a16:creationId xmlns:a16="http://schemas.microsoft.com/office/drawing/2014/main" id="{82D0197D-FB34-47B7-AE6D-52E620B843D1}"/>
+              </a:ext>
+            </a:extLst>
+          </p:cNvPr>
+          <p:cNvSpPr txBox="1"/>
+          <p:nvPr/>
+        </p:nvSpPr>
+        <p:spPr>
+          <a:xfrm>
+            <a:off x="6101977" y="6411095"/>
+            <a:ext cx="2894081" cy="707886"/>
+          </a:xfrm>
+          <a:prstGeom prst="rect">
+            <a:avLst/>
+          </a:prstGeom>
+          <a:noFill/>
+        </p:spPr>
+        <p:txBody>
+          <a:bodyPr wrap="square" rtlCol="0">
+            <a:spAutoFit/>
+          </a:bodyPr>
+          <a:lstStyle/>
+          <a:p>
+            <a:r>
+              <a:rPr lang="en-US" sz="1000" dirty="0"/>
+              <a:t>The object is composed of material made by human activity (e.g. glass, plaster, refined metal), or is natural material shaped/modified by human activity (e.g. bricks, carved bone, sculpture, textiles…)</a:t>
+            </a:r>
+          </a:p>
+        </p:txBody>
+      </p:sp>
+      <p:sp>
+        <p:nvSpPr>
+          <p:cNvPr id="80" name="TextBox 79">
+            <a:extLst>
+              <a:ext uri="{FF2B5EF4-FFF2-40B4-BE49-F238E27FC236}">
+                <a16:creationId xmlns:a16="http://schemas.microsoft.com/office/drawing/2014/main" id="{D64BF7F2-A1FB-4C0E-8D4E-58B1041F99D7}"/>
+              </a:ext>
+            </a:extLst>
+          </p:cNvPr>
+          <p:cNvSpPr txBox="1"/>
+          <p:nvPr/>
+        </p:nvSpPr>
+        <p:spPr>
+          <a:xfrm>
+            <a:off x="8582654" y="7070647"/>
+            <a:ext cx="2745734" cy="707886"/>
+          </a:xfrm>
+          <a:prstGeom prst="rect">
+            <a:avLst/>
+          </a:prstGeom>
+          <a:noFill/>
+        </p:spPr>
+        <p:txBody>
+          <a:bodyPr wrap="square" rtlCol="0">
+            <a:spAutoFit/>
+          </a:bodyPr>
+          <a:lstStyle/>
+          <a:p>
+            <a:r>
+              <a:rPr lang="en-US" sz="1000" dirty="0"/>
+              <a:t>E.g.: Cores of rock, sediment or soil that are curated as objects; rock or mineral samples. Objects produced by living organism should be classified as organism product; </a:t>
+            </a:r>
+          </a:p>
+        </p:txBody>
+      </p:sp>
+      <p:sp>
+        <p:nvSpPr>
+          <p:cNvPr id="81" name="TextBox 80">
+            <a:extLst>
+              <a:ext uri="{FF2B5EF4-FFF2-40B4-BE49-F238E27FC236}">
+                <a16:creationId xmlns:a16="http://schemas.microsoft.com/office/drawing/2014/main" id="{2E4760AD-1D4E-4EA8-8949-00EE0A1D6980}"/>
+              </a:ext>
+            </a:extLst>
+          </p:cNvPr>
+          <p:cNvSpPr txBox="1"/>
+          <p:nvPr/>
+        </p:nvSpPr>
+        <p:spPr>
+          <a:xfrm>
+            <a:off x="12562691" y="7919767"/>
+            <a:ext cx="2039060" cy="707886"/>
+          </a:xfrm>
+          <a:prstGeom prst="rect">
+            <a:avLst/>
+          </a:prstGeom>
+          <a:noFill/>
+        </p:spPr>
+        <p:txBody>
+          <a:bodyPr wrap="square" rtlCol="0">
+            <a:spAutoFit/>
+          </a:bodyPr>
+          <a:lstStyle/>
+          <a:p>
+            <a:r>
+              <a:rPr lang="en-US" sz="1000" dirty="0"/>
+              <a:t>Borehole cuttings, loose soil or sediment (e.g. in a bag), rock chips, particulate filtrate or precipitate; rock powders, synthetic powders</a:t>
+            </a:r>
+          </a:p>
+        </p:txBody>
+      </p:sp>
+      <p:sp>
+        <p:nvSpPr>
+          <p:cNvPr id="82" name="TextBox 81">
+            <a:extLst>
+              <a:ext uri="{FF2B5EF4-FFF2-40B4-BE49-F238E27FC236}">
+                <a16:creationId xmlns:a16="http://schemas.microsoft.com/office/drawing/2014/main" id="{73C0A71F-4164-4178-B412-81D5412F3AE8}"/>
+              </a:ext>
+            </a:extLst>
+          </p:cNvPr>
+          <p:cNvSpPr txBox="1"/>
+          <p:nvPr/>
+        </p:nvSpPr>
+        <p:spPr>
+          <a:xfrm>
+            <a:off x="3004027" y="5799548"/>
+            <a:ext cx="2247709" cy="553998"/>
+          </a:xfrm>
+          <a:prstGeom prst="rect">
+            <a:avLst/>
+          </a:prstGeom>
+          <a:noFill/>
+        </p:spPr>
+        <p:txBody>
+          <a:bodyPr wrap="square" rtlCol="0">
+            <a:spAutoFit/>
+          </a:bodyPr>
+          <a:lstStyle/>
+          <a:p>
+            <a:r>
+              <a:rPr lang="en-US" sz="1000" dirty="0"/>
+              <a:t>E.g.: Leaf litter, soil, water, or sediment collected for biological analysis, ocean trawl for biome sample</a:t>
+            </a:r>
+          </a:p>
+        </p:txBody>
+      </p:sp>
+      <p:sp>
+        <p:nvSpPr>
+          <p:cNvPr id="83" name="TextBox 82">
+            <a:extLst>
+              <a:ext uri="{FF2B5EF4-FFF2-40B4-BE49-F238E27FC236}">
+                <a16:creationId xmlns:a16="http://schemas.microsoft.com/office/drawing/2014/main" id="{77A5BA71-601A-4822-AA8C-C4C8F2C97859}"/>
+              </a:ext>
+            </a:extLst>
+          </p:cNvPr>
+          <p:cNvSpPr txBox="1"/>
+          <p:nvPr/>
+        </p:nvSpPr>
+        <p:spPr>
+          <a:xfrm>
+            <a:off x="3906239" y="3895730"/>
+            <a:ext cx="2247709" cy="553998"/>
+          </a:xfrm>
+          <a:prstGeom prst="rect">
+            <a:avLst/>
+          </a:prstGeom>
+          <a:noFill/>
+        </p:spPr>
+        <p:txBody>
+          <a:bodyPr wrap="square" rtlCol="0">
+            <a:spAutoFit/>
+          </a:bodyPr>
+          <a:lstStyle/>
+          <a:p>
+            <a:r>
+              <a:rPr lang="en-US" sz="1000" dirty="0"/>
+              <a:t>e.g. Bird, snake, fish </a:t>
+            </a:r>
+            <a:r>
+              <a:rPr lang="en-US" sz="1000" dirty="0" err="1"/>
+              <a:t>etc</a:t>
+            </a:r>
+            <a:r>
+              <a:rPr lang="en-US" sz="1000" dirty="0"/>
+              <a:t>, typically preserved in some fluid in a container….; pin-mounted insect. </a:t>
+            </a:r>
+          </a:p>
+        </p:txBody>
+      </p:sp>
+      <p:sp>
+        <p:nvSpPr>
+          <p:cNvPr id="85" name="TextBox 84">
+            <a:extLst>
+              <a:ext uri="{FF2B5EF4-FFF2-40B4-BE49-F238E27FC236}">
+                <a16:creationId xmlns:a16="http://schemas.microsoft.com/office/drawing/2014/main" id="{43933C05-5584-44D3-A2B0-6586EAF19E23}"/>
+              </a:ext>
+            </a:extLst>
+          </p:cNvPr>
+          <p:cNvSpPr txBox="1"/>
+          <p:nvPr/>
+        </p:nvSpPr>
+        <p:spPr>
+          <a:xfrm>
+            <a:off x="9242805" y="1124922"/>
+            <a:ext cx="2119819" cy="861774"/>
+          </a:xfrm>
+          <a:prstGeom prst="rect">
+            <a:avLst/>
+          </a:prstGeom>
+          <a:noFill/>
+        </p:spPr>
+        <p:txBody>
+          <a:bodyPr wrap="square" rtlCol="0">
+            <a:spAutoFit/>
+          </a:bodyPr>
+          <a:lstStyle/>
+          <a:p>
+            <a:r>
+              <a:rPr lang="en-US" sz="1000" dirty="0"/>
+              <a:t>The sample is the fluid; it is necessarily contained somehow. The </a:t>
+            </a:r>
+            <a:r>
+              <a:rPr lang="en-US" sz="1000" dirty="0" err="1"/>
+              <a:t>sampledFeature</a:t>
+            </a:r>
+            <a:r>
+              <a:rPr lang="en-US" sz="1000" dirty="0"/>
+              <a:t> (a different category property) is the entity from which the fluid came.</a:t>
+            </a:r>
+          </a:p>
+        </p:txBody>
+      </p:sp>
+      <p:sp>
+        <p:nvSpPr>
+          <p:cNvPr id="86" name="TextBox 85">
+            <a:extLst>
+              <a:ext uri="{FF2B5EF4-FFF2-40B4-BE49-F238E27FC236}">
+                <a16:creationId xmlns:a16="http://schemas.microsoft.com/office/drawing/2014/main" id="{F3E824EF-180B-4FFA-95B3-5F7F00C313E4}"/>
+              </a:ext>
+            </a:extLst>
+          </p:cNvPr>
+          <p:cNvSpPr txBox="1"/>
+          <p:nvPr/>
+        </p:nvSpPr>
+        <p:spPr>
+          <a:xfrm>
+            <a:off x="4173523" y="279442"/>
+            <a:ext cx="6070733" cy="523220"/>
+          </a:xfrm>
+          <a:prstGeom prst="rect">
+            <a:avLst/>
+          </a:prstGeom>
+          <a:noFill/>
+        </p:spPr>
+        <p:txBody>
+          <a:bodyPr wrap="square" rtlCol="0">
+            <a:spAutoFit/>
+          </a:bodyPr>
+          <a:lstStyle/>
+          <a:p>
+            <a:r>
+              <a:rPr lang="en-US" sz="1400" dirty="0"/>
+              <a:t>NOTE: Focus here is First on ‘why was it collected,’ then on ‘what kind of thing is on the shelf or in the drawer where I keep my collection of specimens’</a:t>
+            </a:r>
+          </a:p>
+        </p:txBody>
+      </p:sp>
+      <p:sp>
+        <p:nvSpPr>
+          <p:cNvPr id="89" name="TextBox 88">
+            <a:extLst>
+              <a:ext uri="{FF2B5EF4-FFF2-40B4-BE49-F238E27FC236}">
+                <a16:creationId xmlns:a16="http://schemas.microsoft.com/office/drawing/2014/main" id="{F8D3E86E-EF88-4BD6-A006-B7BDE51D987D}"/>
+              </a:ext>
+            </a:extLst>
+          </p:cNvPr>
+          <p:cNvSpPr txBox="1"/>
+          <p:nvPr/>
+        </p:nvSpPr>
+        <p:spPr>
+          <a:xfrm>
+            <a:off x="495359" y="1894253"/>
+            <a:ext cx="1679442" cy="707886"/>
+          </a:xfrm>
+          <a:prstGeom prst="rect">
+            <a:avLst/>
+          </a:prstGeom>
+          <a:noFill/>
+        </p:spPr>
+        <p:txBody>
+          <a:bodyPr wrap="square">
+            <a:spAutoFit/>
+          </a:bodyPr>
+          <a:lstStyle/>
+          <a:p>
+            <a:r>
+              <a:rPr lang="en-US" sz="1000" dirty="0"/>
+              <a:t>Note that of these will overlap with ‘piece of solid material’ (except for ‘biome aggregation’)</a:t>
+            </a:r>
+          </a:p>
+        </p:txBody>
+      </p:sp>
+      <p:sp>
+        <p:nvSpPr>
+          <p:cNvPr id="92" name="TextBox 91">
+            <a:extLst>
+              <a:ext uri="{FF2B5EF4-FFF2-40B4-BE49-F238E27FC236}">
+                <a16:creationId xmlns:a16="http://schemas.microsoft.com/office/drawing/2014/main" id="{022C0D5C-9DAE-4A0F-9210-9D126F304D08}"/>
+              </a:ext>
+            </a:extLst>
+          </p:cNvPr>
+          <p:cNvSpPr txBox="1"/>
+          <p:nvPr/>
+        </p:nvSpPr>
+        <p:spPr>
+          <a:xfrm>
+            <a:off x="5685425" y="2217265"/>
+            <a:ext cx="1258021" cy="553998"/>
+          </a:xfrm>
+          <a:prstGeom prst="rect">
+            <a:avLst/>
+          </a:prstGeom>
+          <a:noFill/>
+        </p:spPr>
+        <p:txBody>
+          <a:bodyPr wrap="square">
+            <a:spAutoFit/>
+          </a:bodyPr>
+          <a:lstStyle/>
+          <a:p>
+            <a:r>
+              <a:rPr lang="en-US" sz="1000" dirty="0"/>
+              <a:t>Note these will overlap with ‘piece of solid material’</a:t>
+            </a:r>
+          </a:p>
+        </p:txBody>
+      </p:sp>
+      <p:cxnSp>
+        <p:nvCxnSpPr>
+          <p:cNvPr id="268" name="Straight Arrow Connector 267">
+            <a:extLst>
+              <a:ext uri="{FF2B5EF4-FFF2-40B4-BE49-F238E27FC236}">
+                <a16:creationId xmlns:a16="http://schemas.microsoft.com/office/drawing/2014/main" id="{57518588-37BD-4599-B145-BFA1454AF704}"/>
+              </a:ext>
+            </a:extLst>
+          </p:cNvPr>
+          <p:cNvCxnSpPr>
+            <a:cxnSpLocks/>
+            <a:stCxn id="5" idx="3"/>
+            <a:endCxn id="299" idx="1"/>
+          </p:cNvCxnSpPr>
+          <p:nvPr/>
+        </p:nvCxnSpPr>
+        <p:spPr>
+          <a:xfrm>
+            <a:off x="8985580" y="2008296"/>
+            <a:ext cx="474470" cy="665239"/>
+          </a:xfrm>
+          <a:prstGeom prst="straightConnector1">
+            <a:avLst/>
+          </a:prstGeom>
+          <a:ln w="57150">
+            <a:solidFill>
+              <a:srgbClr val="FF0000"/>
+            </a:solidFill>
+            <a:prstDash val="sysDash"/>
+            <a:headEnd type="none" w="med" len="med"/>
+            <a:tailEnd type="triangle" w="med" len="med"/>
+          </a:ln>
+        </p:spPr>
+        <p:style>
+          <a:lnRef idx="1">
+            <a:schemeClr val="accent1"/>
+          </a:lnRef>
+          <a:fillRef idx="0">
+            <a:schemeClr val="accent1"/>
+          </a:fillRef>
+          <a:effectRef idx="0">
+            <a:schemeClr val="accent1"/>
+          </a:effectRef>
+          <a:fontRef idx="minor">
+            <a:schemeClr val="tx1"/>
+          </a:fontRef>
+        </p:style>
+      </p:cxnSp>
+      <p:sp>
+        <p:nvSpPr>
+          <p:cNvPr id="299" name="Rectangle 298">
+            <a:extLst>
+              <a:ext uri="{FF2B5EF4-FFF2-40B4-BE49-F238E27FC236}">
+                <a16:creationId xmlns:a16="http://schemas.microsoft.com/office/drawing/2014/main" id="{710AED13-51A3-48B8-9BF5-955890B8A776}"/>
+              </a:ext>
+            </a:extLst>
+          </p:cNvPr>
+          <p:cNvSpPr/>
+          <p:nvPr/>
+        </p:nvSpPr>
+        <p:spPr>
+          <a:xfrm>
+            <a:off x="9460050" y="2216335"/>
+            <a:ext cx="1803638" cy="914400"/>
+          </a:xfrm>
+          <a:prstGeom prst="rect">
+            <a:avLst/>
+          </a:prstGeom>
+          <a:solidFill>
+            <a:schemeClr val="accent3">
+              <a:lumMod val="40000"/>
+              <a:lumOff val="60000"/>
+            </a:schemeClr>
+          </a:solidFill>
+        </p:spPr>
+        <p:style>
+          <a:lnRef idx="2">
+            <a:schemeClr val="accent1">
+              <a:shade val="50000"/>
+            </a:schemeClr>
+          </a:lnRef>
+          <a:fillRef idx="1">
+            <a:schemeClr val="accent1"/>
+          </a:fillRef>
+          <a:effectRef idx="0">
+            <a:schemeClr val="accent1"/>
+          </a:effectRef>
+          <a:fontRef idx="minor">
+            <a:schemeClr val="lt1"/>
+          </a:fontRef>
+        </p:style>
+        <p:txBody>
+          <a:bodyPr rtlCol="0" anchor="ctr"/>
+          <a:lstStyle/>
+          <a:p>
+            <a:pPr algn="ctr"/>
+            <a:r>
+              <a:rPr lang="en-US" dirty="0">
+                <a:solidFill>
+                  <a:schemeClr val="tx1"/>
+                </a:solidFill>
+              </a:rPr>
+              <a:t>Produced in laboratory</a:t>
+            </a:r>
+          </a:p>
+        </p:txBody>
+      </p:sp>
+      <p:cxnSp>
+        <p:nvCxnSpPr>
+          <p:cNvPr id="301" name="Straight Arrow Connector 300">
+            <a:extLst>
+              <a:ext uri="{FF2B5EF4-FFF2-40B4-BE49-F238E27FC236}">
+                <a16:creationId xmlns:a16="http://schemas.microsoft.com/office/drawing/2014/main" id="{F62F8733-DF5C-4880-8855-605DA636FE8E}"/>
+              </a:ext>
+            </a:extLst>
+          </p:cNvPr>
+          <p:cNvCxnSpPr>
+            <a:cxnSpLocks/>
+            <a:stCxn id="299" idx="3"/>
+            <a:endCxn id="4" idx="1"/>
+          </p:cNvCxnSpPr>
+          <p:nvPr/>
+        </p:nvCxnSpPr>
+        <p:spPr>
+          <a:xfrm>
+            <a:off x="11263688" y="2673535"/>
+            <a:ext cx="567161" cy="650394"/>
+          </a:xfrm>
+          <a:prstGeom prst="straightConnector1">
+            <a:avLst/>
+          </a:prstGeom>
+          <a:ln w="57150">
+            <a:solidFill>
+              <a:srgbClr val="FF0000"/>
+            </a:solidFill>
+            <a:prstDash val="sysDash"/>
+            <a:headEnd type="none" w="med" len="med"/>
+            <a:tailEnd type="triangle" w="med" len="med"/>
+          </a:ln>
+        </p:spPr>
+        <p:style>
+          <a:lnRef idx="1">
+            <a:schemeClr val="accent1"/>
+          </a:lnRef>
+          <a:fillRef idx="0">
+            <a:schemeClr val="accent1"/>
+          </a:fillRef>
+          <a:effectRef idx="0">
+            <a:schemeClr val="accent1"/>
+          </a:effectRef>
+          <a:fontRef idx="minor">
+            <a:schemeClr val="tx1"/>
+          </a:fontRef>
+        </p:style>
+      </p:cxnSp>
+      <p:cxnSp>
+        <p:nvCxnSpPr>
+          <p:cNvPr id="305" name="Straight Arrow Connector 304">
+            <a:extLst>
+              <a:ext uri="{FF2B5EF4-FFF2-40B4-BE49-F238E27FC236}">
+                <a16:creationId xmlns:a16="http://schemas.microsoft.com/office/drawing/2014/main" id="{D69CB222-17F7-4CCD-99C6-DB74CB5B1F1A}"/>
+              </a:ext>
+            </a:extLst>
+          </p:cNvPr>
+          <p:cNvCxnSpPr>
+            <a:cxnSpLocks/>
+            <a:stCxn id="299" idx="2"/>
+            <a:endCxn id="3" idx="0"/>
+          </p:cNvCxnSpPr>
+          <p:nvPr/>
+        </p:nvCxnSpPr>
+        <p:spPr>
+          <a:xfrm flipH="1">
+            <a:off x="7858394" y="3130735"/>
+            <a:ext cx="2503475" cy="1071982"/>
+          </a:xfrm>
+          <a:prstGeom prst="straightConnector1">
+            <a:avLst/>
+          </a:prstGeom>
+          <a:ln w="57150">
+            <a:solidFill>
+              <a:srgbClr val="00B050"/>
+            </a:solidFill>
+            <a:headEnd type="none" w="med" len="med"/>
+            <a:tailEnd type="triangle" w="med" len="med"/>
+          </a:ln>
+        </p:spPr>
+        <p:style>
+          <a:lnRef idx="1">
+            <a:schemeClr val="accent1"/>
+          </a:lnRef>
+          <a:fillRef idx="0">
+            <a:schemeClr val="accent1"/>
+          </a:fillRef>
+          <a:effectRef idx="0">
+            <a:schemeClr val="accent1"/>
+          </a:effectRef>
+          <a:fontRef idx="minor">
+            <a:schemeClr val="tx1"/>
+          </a:fontRef>
+        </p:style>
+      </p:cxnSp>
+      <p:sp>
+        <p:nvSpPr>
+          <p:cNvPr id="321" name="TextBox 320">
+            <a:extLst>
+              <a:ext uri="{FF2B5EF4-FFF2-40B4-BE49-F238E27FC236}">
+                <a16:creationId xmlns:a16="http://schemas.microsoft.com/office/drawing/2014/main" id="{0B3E0A1F-6B2F-46B1-B05F-BA687FF29BAD}"/>
+              </a:ext>
+            </a:extLst>
+          </p:cNvPr>
+          <p:cNvSpPr txBox="1"/>
+          <p:nvPr/>
+        </p:nvSpPr>
+        <p:spPr>
+          <a:xfrm>
+            <a:off x="6747552" y="4591313"/>
+            <a:ext cx="2280252" cy="707886"/>
+          </a:xfrm>
+          <a:prstGeom prst="rect">
+            <a:avLst/>
+          </a:prstGeom>
+          <a:noFill/>
+        </p:spPr>
+        <p:txBody>
+          <a:bodyPr wrap="square" rtlCol="0">
+            <a:spAutoFit/>
+          </a:bodyPr>
+          <a:lstStyle/>
+          <a:p>
+            <a:r>
+              <a:rPr lang="en-US" sz="1000" dirty="0"/>
+              <a:t>Specimen is product of an experimental procedure (e.g. synthetic material), or analytical preparation (e.g. thin section, </a:t>
+            </a:r>
+            <a:r>
+              <a:rPr lang="en-US" sz="1000" dirty="0" err="1"/>
+              <a:t>xrf</a:t>
+            </a:r>
+            <a:r>
+              <a:rPr lang="en-US" sz="1000" dirty="0"/>
+              <a:t> bead, SEM stub)</a:t>
+            </a:r>
+          </a:p>
+        </p:txBody>
+      </p:sp>
+      <p:sp>
+        <p:nvSpPr>
+          <p:cNvPr id="3" name="TextBox 2">
+            <a:extLst>
+              <a:ext uri="{FF2B5EF4-FFF2-40B4-BE49-F238E27FC236}">
+                <a16:creationId xmlns:a16="http://schemas.microsoft.com/office/drawing/2014/main" id="{E7B625E1-3034-49BE-845B-9581B162252E}"/>
+              </a:ext>
+            </a:extLst>
+          </p:cNvPr>
+          <p:cNvSpPr txBox="1"/>
+          <p:nvPr/>
+        </p:nvSpPr>
+        <p:spPr>
+          <a:xfrm>
+            <a:off x="6934839" y="4202717"/>
+            <a:ext cx="1847109" cy="369332"/>
+          </a:xfrm>
+          <a:prstGeom prst="rect">
+            <a:avLst/>
+          </a:prstGeom>
+          <a:noFill/>
+        </p:spPr>
+        <p:txBody>
+          <a:bodyPr wrap="square" rtlCol="0">
+            <a:spAutoFit/>
+          </a:bodyPr>
+          <a:lstStyle>
+            <a:defPPr>
+              <a:defRPr lang="en-US"/>
+            </a:defPPr>
+            <a:lvl1pPr>
+              <a:defRPr b="1"/>
+            </a:lvl1pPr>
+          </a:lstStyle>
+          <a:p>
+            <a:r>
+              <a:rPr lang="en-US" dirty="0"/>
+              <a:t>Research product</a:t>
             </a:r>
           </a:p>
         </p:txBody>

--- a/vocabulary/SpecimentTypeDecisionTree.pptx
+++ b/vocabulary/SpecimentTypeDecisionTree.pptx
@@ -243,7 +243,7 @@
           <a:p>
             <a:fld id="{1956BE6B-EBDA-47AD-B12E-4D406315FF98}" type="datetimeFigureOut">
               <a:rPr lang="en-US" smtClean="0"/>
-              <a:t>4/20/2021</a:t>
+              <a:t>6/3/2021</a:t>
             </a:fld>
             <a:endParaRPr lang="en-US"/>
           </a:p>
@@ -413,7 +413,7 @@
           <a:p>
             <a:fld id="{1956BE6B-EBDA-47AD-B12E-4D406315FF98}" type="datetimeFigureOut">
               <a:rPr lang="en-US" smtClean="0"/>
-              <a:t>4/20/2021</a:t>
+              <a:t>6/3/2021</a:t>
             </a:fld>
             <a:endParaRPr lang="en-US"/>
           </a:p>
@@ -593,7 +593,7 @@
           <a:p>
             <a:fld id="{1956BE6B-EBDA-47AD-B12E-4D406315FF98}" type="datetimeFigureOut">
               <a:rPr lang="en-US" smtClean="0"/>
-              <a:t>4/20/2021</a:t>
+              <a:t>6/3/2021</a:t>
             </a:fld>
             <a:endParaRPr lang="en-US"/>
           </a:p>
@@ -763,7 +763,7 @@
           <a:p>
             <a:fld id="{1956BE6B-EBDA-47AD-B12E-4D406315FF98}" type="datetimeFigureOut">
               <a:rPr lang="en-US" smtClean="0"/>
-              <a:t>4/20/2021</a:t>
+              <a:t>6/3/2021</a:t>
             </a:fld>
             <a:endParaRPr lang="en-US"/>
           </a:p>
@@ -1007,7 +1007,7 @@
           <a:p>
             <a:fld id="{1956BE6B-EBDA-47AD-B12E-4D406315FF98}" type="datetimeFigureOut">
               <a:rPr lang="en-US" smtClean="0"/>
-              <a:t>4/20/2021</a:t>
+              <a:t>6/3/2021</a:t>
             </a:fld>
             <a:endParaRPr lang="en-US"/>
           </a:p>
@@ -1239,7 +1239,7 @@
           <a:p>
             <a:fld id="{1956BE6B-EBDA-47AD-B12E-4D406315FF98}" type="datetimeFigureOut">
               <a:rPr lang="en-US" smtClean="0"/>
-              <a:t>4/20/2021</a:t>
+              <a:t>6/3/2021</a:t>
             </a:fld>
             <a:endParaRPr lang="en-US"/>
           </a:p>
@@ -1606,7 +1606,7 @@
           <a:p>
             <a:fld id="{1956BE6B-EBDA-47AD-B12E-4D406315FF98}" type="datetimeFigureOut">
               <a:rPr lang="en-US" smtClean="0"/>
-              <a:t>4/20/2021</a:t>
+              <a:t>6/3/2021</a:t>
             </a:fld>
             <a:endParaRPr lang="en-US"/>
           </a:p>
@@ -1724,7 +1724,7 @@
           <a:p>
             <a:fld id="{1956BE6B-EBDA-47AD-B12E-4D406315FF98}" type="datetimeFigureOut">
               <a:rPr lang="en-US" smtClean="0"/>
-              <a:t>4/20/2021</a:t>
+              <a:t>6/3/2021</a:t>
             </a:fld>
             <a:endParaRPr lang="en-US"/>
           </a:p>
@@ -1819,7 +1819,7 @@
           <a:p>
             <a:fld id="{1956BE6B-EBDA-47AD-B12E-4D406315FF98}" type="datetimeFigureOut">
               <a:rPr lang="en-US" smtClean="0"/>
-              <a:t>4/20/2021</a:t>
+              <a:t>6/3/2021</a:t>
             </a:fld>
             <a:endParaRPr lang="en-US"/>
           </a:p>
@@ -2096,7 +2096,7 @@
           <a:p>
             <a:fld id="{1956BE6B-EBDA-47AD-B12E-4D406315FF98}" type="datetimeFigureOut">
               <a:rPr lang="en-US" smtClean="0"/>
-              <a:t>4/20/2021</a:t>
+              <a:t>6/3/2021</a:t>
             </a:fld>
             <a:endParaRPr lang="en-US"/>
           </a:p>
@@ -2353,7 +2353,7 @@
           <a:p>
             <a:fld id="{1956BE6B-EBDA-47AD-B12E-4D406315FF98}" type="datetimeFigureOut">
               <a:rPr lang="en-US" smtClean="0"/>
-              <a:t>4/20/2021</a:t>
+              <a:t>6/3/2021</a:t>
             </a:fld>
             <a:endParaRPr lang="en-US"/>
           </a:p>
@@ -2566,7 +2566,7 @@
           <a:p>
             <a:fld id="{1956BE6B-EBDA-47AD-B12E-4D406315FF98}" type="datetimeFigureOut">
               <a:rPr lang="en-US" smtClean="0"/>
-              <a:t>4/20/2021</a:t>
+              <a:t>6/3/2021</a:t>
             </a:fld>
             <a:endParaRPr lang="en-US"/>
           </a:p>
@@ -3044,7 +3044,7 @@
         </p:nvSpPr>
         <p:spPr>
           <a:xfrm>
-            <a:off x="7520195" y="1680299"/>
+            <a:off x="7175131" y="1341475"/>
             <a:ext cx="1465385" cy="655994"/>
           </a:xfrm>
           <a:prstGeom prst="rect">
@@ -3162,7 +3162,7 @@
         </p:nvSpPr>
         <p:spPr>
           <a:xfrm>
-            <a:off x="11916048" y="4555845"/>
+            <a:off x="12291871" y="4490292"/>
             <a:ext cx="2127259" cy="950988"/>
           </a:xfrm>
           <a:prstGeom prst="rect">
@@ -3652,7 +3652,7 @@
         <p:spPr>
           <a:xfrm>
             <a:off x="6481801" y="1536043"/>
-            <a:ext cx="1038394" cy="472253"/>
+            <a:ext cx="693330" cy="133429"/>
           </a:xfrm>
           <a:prstGeom prst="straightConnector1">
             <a:avLst/>
@@ -3837,7 +3837,7 @@
         </p:nvSpPr>
         <p:spPr>
           <a:xfrm>
-            <a:off x="9162982" y="6521398"/>
+            <a:off x="9791893" y="5861416"/>
             <a:ext cx="1518085" cy="646331"/>
           </a:xfrm>
           <a:prstGeom prst="rect">
@@ -3877,8 +3877,8 @@
         </p:nvCxnSpPr>
         <p:spPr>
           <a:xfrm flipH="1">
-            <a:off x="9922025" y="5049633"/>
-            <a:ext cx="1024286" cy="1471765"/>
+            <a:off x="10550936" y="5049633"/>
+            <a:ext cx="395375" cy="811783"/>
           </a:xfrm>
           <a:prstGeom prst="straightConnector1">
             <a:avLst/>
@@ -3925,8 +3925,8 @@
         </p:nvCxnSpPr>
         <p:spPr>
           <a:xfrm flipH="1">
-            <a:off x="7902541" y="4793438"/>
-            <a:ext cx="2400173" cy="1293493"/>
+            <a:off x="8429543" y="4793438"/>
+            <a:ext cx="1873171" cy="1345355"/>
           </a:xfrm>
           <a:prstGeom prst="straightConnector1">
             <a:avLst/>
@@ -3968,7 +3968,7 @@
         </p:nvSpPr>
         <p:spPr>
           <a:xfrm>
-            <a:off x="7451392" y="6086931"/>
+            <a:off x="7978394" y="6138793"/>
             <a:ext cx="902298" cy="369332"/>
           </a:xfrm>
           <a:prstGeom prst="rect">
@@ -4088,9 +4088,9 @@
           <p:nvPr/>
         </p:nvCxnSpPr>
         <p:spPr>
-          <a:xfrm flipH="1">
-            <a:off x="8120523" y="2336293"/>
-            <a:ext cx="132365" cy="569691"/>
+          <a:xfrm>
+            <a:off x="7907824" y="1997469"/>
+            <a:ext cx="119993" cy="347820"/>
           </a:xfrm>
           <a:prstGeom prst="straightConnector1">
             <a:avLst/>
@@ -4132,7 +4132,7 @@
         </p:nvSpPr>
         <p:spPr>
           <a:xfrm>
-            <a:off x="7485718" y="2905984"/>
+            <a:off x="7393012" y="2345289"/>
             <a:ext cx="1269610" cy="646331"/>
           </a:xfrm>
           <a:prstGeom prst="rect">
@@ -4593,12 +4593,12 @@
         </p:nvCxnSpPr>
         <p:spPr>
           <a:xfrm rot="10800000" flipV="1">
-            <a:off x="8572466" y="5031339"/>
-            <a:ext cx="3343582" cy="3497374"/>
+            <a:off x="8572467" y="4965785"/>
+            <a:ext cx="3719405" cy="3562927"/>
           </a:xfrm>
           <a:prstGeom prst="curvedConnector3">
             <a:avLst>
-              <a:gd name="adj1" fmla="val 8598"/>
+              <a:gd name="adj1" fmla="val 15124"/>
             </a:avLst>
           </a:prstGeom>
           <a:ln w="57150">
@@ -4785,9 +4785,9 @@
           <p:nvPr/>
         </p:nvCxnSpPr>
         <p:spPr>
-          <a:xfrm>
-            <a:off x="12979678" y="5506833"/>
-            <a:ext cx="264102" cy="653481"/>
+          <a:xfrm flipH="1">
+            <a:off x="13243780" y="5441280"/>
+            <a:ext cx="111721" cy="719034"/>
           </a:xfrm>
           <a:prstGeom prst="straightConnector1">
             <a:avLst/>
@@ -4870,7 +4870,7 @@
         <p:spPr>
           <a:xfrm>
             <a:off x="12732668" y="3781129"/>
-            <a:ext cx="247010" cy="774716"/>
+            <a:ext cx="622833" cy="709163"/>
           </a:xfrm>
           <a:prstGeom prst="straightConnector1">
             <a:avLst/>
@@ -5262,8 +5262,8 @@
         </p:nvSpPr>
         <p:spPr>
           <a:xfrm>
-            <a:off x="1888439" y="9188536"/>
-            <a:ext cx="2405388" cy="400110"/>
+            <a:off x="1961762" y="9210427"/>
+            <a:ext cx="2134831" cy="400110"/>
           </a:xfrm>
           <a:prstGeom prst="rect">
             <a:avLst/>
@@ -5298,7 +5298,7 @@
         <p:spPr>
           <a:xfrm>
             <a:off x="208937" y="7778533"/>
-            <a:ext cx="1619132" cy="553998"/>
+            <a:ext cx="1619132" cy="707886"/>
           </a:xfrm>
           <a:prstGeom prst="rect">
             <a:avLst/>
@@ -5313,7 +5313,7 @@
           <a:p>
             <a:r>
               <a:rPr lang="en-US" sz="1000" dirty="0"/>
-              <a:t>Tissue, chitin, teeth, claws, bone, horn (with organic tissue included)</a:t>
+              <a:t>Tissue, chitin, teeth, claws, bone, horn (with organic tissue included); Herbarium packet with plant parts.</a:t>
             </a:r>
           </a:p>
         </p:txBody>
@@ -5332,8 +5332,8 @@
         </p:nvSpPr>
         <p:spPr>
           <a:xfrm>
-            <a:off x="10558812" y="8892386"/>
-            <a:ext cx="2168208" cy="707886"/>
+            <a:off x="10586793" y="8850740"/>
+            <a:ext cx="2134831" cy="707886"/>
           </a:xfrm>
           <a:prstGeom prst="rect">
             <a:avLst/>
@@ -5402,8 +5402,8 @@
         </p:nvSpPr>
         <p:spPr>
           <a:xfrm>
-            <a:off x="6101977" y="6411095"/>
-            <a:ext cx="2894081" cy="707886"/>
+            <a:off x="7342542" y="6456601"/>
+            <a:ext cx="2243237" cy="1015663"/>
           </a:xfrm>
           <a:prstGeom prst="rect">
             <a:avLst/>
@@ -5437,8 +5437,8 @@
         </p:nvSpPr>
         <p:spPr>
           <a:xfrm>
-            <a:off x="8582654" y="7070647"/>
-            <a:ext cx="2745734" cy="707886"/>
+            <a:off x="9540519" y="6455361"/>
+            <a:ext cx="2092549" cy="861774"/>
           </a:xfrm>
           <a:prstGeom prst="rect">
             <a:avLst/>
@@ -5473,7 +5473,7 @@
         <p:spPr>
           <a:xfrm>
             <a:off x="12562691" y="7919767"/>
-            <a:ext cx="2039060" cy="707886"/>
+            <a:ext cx="2039060" cy="1015663"/>
           </a:xfrm>
           <a:prstGeom prst="rect">
             <a:avLst/>
@@ -5488,7 +5488,7 @@
           <a:p>
             <a:r>
               <a:rPr lang="en-US" sz="1000" dirty="0"/>
-              <a:t>Borehole cuttings, loose soil or sediment (e.g. in a bag), rock chips, particulate filtrate or precipitate; rock powders, synthetic powders</a:t>
+              <a:t>Borehole cuttings, loose soil or sediment (e.g. in a bag), rock chips, particulate filtrate or precipitate.  Rock powders (identified as a separate sample) would be ‘Analytical Preparation’</a:t>
             </a:r>
           </a:p>
         </p:txBody>
@@ -5508,7 +5508,7 @@
         <p:spPr>
           <a:xfrm>
             <a:off x="3004027" y="5799548"/>
-            <a:ext cx="2247709" cy="553998"/>
+            <a:ext cx="2247709" cy="707886"/>
           </a:xfrm>
           <a:prstGeom prst="rect">
             <a:avLst/>
@@ -5523,7 +5523,7 @@
           <a:p>
             <a:r>
               <a:rPr lang="en-US" sz="1000" dirty="0"/>
-              <a:t>E.g.: Leaf litter, soil, water, or sediment collected for biological analysis, ocean trawl for biome sample</a:t>
+              <a:t>E.g.: Leaf litter, soil, water, or sediment collected for biological analysis, ocean trawl for biome sample.  Cultures derived from a soil or water sample. </a:t>
             </a:r>
           </a:p>
         </p:txBody>
@@ -5542,8 +5542,8 @@
         </p:nvSpPr>
         <p:spPr>
           <a:xfrm>
-            <a:off x="3906239" y="3895730"/>
-            <a:ext cx="2247709" cy="553998"/>
+            <a:off x="3693614" y="3780930"/>
+            <a:ext cx="2050503" cy="707886"/>
           </a:xfrm>
           <a:prstGeom prst="rect">
             <a:avLst/>
@@ -5566,7 +5566,7 @@
             </a:r>
             <a:r>
               <a:rPr lang="en-US" sz="1000" dirty="0"/>
-              <a:t>, typically preserved in some fluid in a container….; pin-mounted insect. </a:t>
+              <a:t>, typically preserved in some fluid in a container….; pin-mounted insect; whole plant on herbarium sheet. </a:t>
             </a:r>
           </a:p>
         </p:txBody>
@@ -5585,7 +5585,7 @@
         </p:nvSpPr>
         <p:spPr>
           <a:xfrm>
-            <a:off x="9242805" y="1124922"/>
+            <a:off x="9393337" y="918638"/>
             <a:ext cx="2119819" cy="861774"/>
           </a:xfrm>
           <a:prstGeom prst="rect">
@@ -5628,7 +5628,7 @@
         </p:nvSpPr>
         <p:spPr>
           <a:xfrm>
-            <a:off x="4173523" y="279442"/>
+            <a:off x="3958384" y="88627"/>
             <a:ext cx="6070733" cy="523220"/>
           </a:xfrm>
           <a:prstGeom prst="rect">
@@ -5698,8 +5698,8 @@
         </p:nvSpPr>
         <p:spPr>
           <a:xfrm>
-            <a:off x="5685425" y="2217265"/>
-            <a:ext cx="1258021" cy="553998"/>
+            <a:off x="5718737" y="2067004"/>
+            <a:ext cx="1556162" cy="861774"/>
           </a:xfrm>
           <a:prstGeom prst="rect">
             <a:avLst/>
@@ -5714,7 +5714,7 @@
           <a:p>
             <a:r>
               <a:rPr lang="en-US" sz="1000" dirty="0"/>
-              <a:t>Note these will overlap with ‘piece of solid material’</a:t>
+              <a:t>Note these will overlap with ‘piece of solid material’ or Aggregation (if a collection of fossils from a single source)</a:t>
             </a:r>
           </a:p>
         </p:txBody>
@@ -5737,8 +5737,8 @@
         </p:nvCxnSpPr>
         <p:spPr>
           <a:xfrm>
-            <a:off x="8985580" y="2008296"/>
-            <a:ext cx="474470" cy="665239"/>
+            <a:off x="8640516" y="1669472"/>
+            <a:ext cx="1007805" cy="470926"/>
           </a:xfrm>
           <a:prstGeom prst="straightConnector1">
             <a:avLst/>
@@ -5781,8 +5781,8 @@
         </p:nvSpPr>
         <p:spPr>
           <a:xfrm>
-            <a:off x="9460050" y="2216335"/>
-            <a:ext cx="1803638" cy="914400"/>
+            <a:off x="9648321" y="1812297"/>
+            <a:ext cx="1635536" cy="656202"/>
           </a:xfrm>
           <a:prstGeom prst="rect">
             <a:avLst/>
@@ -5838,14 +5838,14 @@
           <p:cNvCxnSpPr>
             <a:cxnSpLocks/>
             <a:stCxn id="299" idx="3"/>
-            <a:endCxn id="4" idx="1"/>
+            <a:endCxn id="4" idx="0"/>
           </p:cNvCxnSpPr>
           <p:nvPr/>
         </p:nvCxnSpPr>
         <p:spPr>
           <a:xfrm>
-            <a:off x="11263688" y="2673535"/>
-            <a:ext cx="567161" cy="650394"/>
+            <a:off x="11283857" y="2140398"/>
+            <a:ext cx="1448811" cy="726331"/>
           </a:xfrm>
           <a:prstGeom prst="straightConnector1">
             <a:avLst/>
@@ -5886,14 +5886,13 @@
           <p:cNvCxnSpPr>
             <a:cxnSpLocks/>
             <a:stCxn id="299" idx="2"/>
-            <a:endCxn id="3" idx="0"/>
           </p:cNvCxnSpPr>
           <p:nvPr/>
         </p:nvCxnSpPr>
         <p:spPr>
           <a:xfrm flipH="1">
-            <a:off x="7858394" y="3130735"/>
-            <a:ext cx="2503475" cy="1071982"/>
+            <a:off x="8825411" y="2468499"/>
+            <a:ext cx="1640678" cy="724582"/>
           </a:xfrm>
           <a:prstGeom prst="straightConnector1">
             <a:avLst/>
@@ -5935,8 +5934,8 @@
         </p:nvSpPr>
         <p:spPr>
           <a:xfrm>
-            <a:off x="6747552" y="4591313"/>
-            <a:ext cx="2280252" cy="707886"/>
+            <a:off x="5969295" y="4901229"/>
+            <a:ext cx="1610328" cy="553998"/>
           </a:xfrm>
           <a:prstGeom prst="rect">
             <a:avLst/>
@@ -5951,15 +5950,7 @@
           <a:p>
             <a:r>
               <a:rPr lang="en-US" sz="1000" dirty="0"/>
-              <a:t>Specimen is product of an experimental procedure (e.g. synthetic material), or analytical preparation (e.g. thin section, </a:t>
-            </a:r>
-            <a:r>
-              <a:rPr lang="en-US" sz="1000" dirty="0" err="1"/>
-              <a:t>xrf</a:t>
-            </a:r>
-            <a:r>
-              <a:rPr lang="en-US" sz="1000" dirty="0"/>
-              <a:t> bead, SEM stub)</a:t>
+              <a:t>Specimen is product of an experimental procedure (e.g. synthetic material) </a:t>
             </a:r>
           </a:p>
         </p:txBody>
@@ -5978,8 +5969,8 @@
         </p:nvSpPr>
         <p:spPr>
           <a:xfrm>
-            <a:off x="6934839" y="4202717"/>
-            <a:ext cx="1847109" cy="369332"/>
+            <a:off x="6090788" y="4288374"/>
+            <a:ext cx="1287193" cy="646331"/>
           </a:xfrm>
           <a:prstGeom prst="rect">
             <a:avLst/>
@@ -5999,13 +5990,245 @@
             </a:lvl1pPr>
           </a:lstStyle>
           <a:p>
+            <a:pPr algn="ctr"/>
             <a:r>
               <a:rPr lang="en-US" dirty="0"/>
-              <a:t>Research product</a:t>
-            </a:r>
-          </a:p>
-        </p:txBody>
-      </p:sp>
+              <a:t>Experiment product</a:t>
+            </a:r>
+          </a:p>
+        </p:txBody>
+      </p:sp>
+      <p:sp>
+        <p:nvSpPr>
+          <p:cNvPr id="90" name="Rectangle 89">
+            <a:extLst>
+              <a:ext uri="{FF2B5EF4-FFF2-40B4-BE49-F238E27FC236}">
+                <a16:creationId xmlns:a16="http://schemas.microsoft.com/office/drawing/2014/main" id="{533BD0E3-56C6-4070-BB12-92A90AA7F351}"/>
+              </a:ext>
+            </a:extLst>
+          </p:cNvPr>
+          <p:cNvSpPr/>
+          <p:nvPr/>
+        </p:nvSpPr>
+        <p:spPr>
+          <a:xfrm>
+            <a:off x="7527446" y="3250317"/>
+            <a:ext cx="1635536" cy="656202"/>
+          </a:xfrm>
+          <a:prstGeom prst="rect">
+            <a:avLst/>
+          </a:prstGeom>
+          <a:solidFill>
+            <a:schemeClr val="accent3">
+              <a:lumMod val="40000"/>
+              <a:lumOff val="60000"/>
+            </a:schemeClr>
+          </a:solidFill>
+        </p:spPr>
+        <p:style>
+          <a:lnRef idx="2">
+            <a:schemeClr val="accent1">
+              <a:shade val="50000"/>
+            </a:schemeClr>
+          </a:lnRef>
+          <a:fillRef idx="1">
+            <a:schemeClr val="accent1"/>
+          </a:fillRef>
+          <a:effectRef idx="0">
+            <a:schemeClr val="accent1"/>
+          </a:effectRef>
+          <a:fontRef idx="minor">
+            <a:schemeClr val="lt1"/>
+          </a:fontRef>
+        </p:style>
+        <p:txBody>
+          <a:bodyPr rtlCol="0" anchor="ctr"/>
+          <a:lstStyle/>
+          <a:p>
+            <a:pPr algn="ctr"/>
+            <a:r>
+              <a:rPr lang="en-US" dirty="0">
+                <a:solidFill>
+                  <a:schemeClr val="tx1"/>
+                </a:solidFill>
+              </a:rPr>
+              <a:t>Experiment product?</a:t>
+            </a:r>
+          </a:p>
+        </p:txBody>
+      </p:sp>
+      <p:sp>
+        <p:nvSpPr>
+          <p:cNvPr id="32" name="TextBox 31">
+            <a:extLst>
+              <a:ext uri="{FF2B5EF4-FFF2-40B4-BE49-F238E27FC236}">
+                <a16:creationId xmlns:a16="http://schemas.microsoft.com/office/drawing/2014/main" id="{FEAD01F4-5B01-42DB-BF45-5B507AEDEB9A}"/>
+              </a:ext>
+            </a:extLst>
+          </p:cNvPr>
+          <p:cNvSpPr txBox="1"/>
+          <p:nvPr/>
+        </p:nvSpPr>
+        <p:spPr>
+          <a:xfrm>
+            <a:off x="7629808" y="4788658"/>
+            <a:ext cx="1606031" cy="861774"/>
+          </a:xfrm>
+          <a:prstGeom prst="rect">
+            <a:avLst/>
+          </a:prstGeom>
+          <a:noFill/>
+        </p:spPr>
+        <p:txBody>
+          <a:bodyPr wrap="square" rtlCol="0">
+            <a:spAutoFit/>
+          </a:bodyPr>
+          <a:lstStyle/>
+          <a:p>
+            <a:r>
+              <a:rPr lang="en-US" sz="1000" dirty="0"/>
+              <a:t>e.g. thin section, XRF bead, SEM stub, rock powder. If identified separately, this should have a ‘parent’ link to the original sample</a:t>
+            </a:r>
+          </a:p>
+        </p:txBody>
+      </p:sp>
+      <p:sp>
+        <p:nvSpPr>
+          <p:cNvPr id="33" name="TextBox 32">
+            <a:extLst>
+              <a:ext uri="{FF2B5EF4-FFF2-40B4-BE49-F238E27FC236}">
+                <a16:creationId xmlns:a16="http://schemas.microsoft.com/office/drawing/2014/main" id="{011B595C-2017-4E7E-960C-441AA9C364B6}"/>
+              </a:ext>
+            </a:extLst>
+          </p:cNvPr>
+          <p:cNvSpPr txBox="1"/>
+          <p:nvPr/>
+        </p:nvSpPr>
+        <p:spPr>
+          <a:xfrm>
+            <a:off x="7643354" y="4206796"/>
+            <a:ext cx="1490906" cy="646331"/>
+          </a:xfrm>
+          <a:prstGeom prst="rect">
+            <a:avLst/>
+          </a:prstGeom>
+          <a:noFill/>
+        </p:spPr>
+        <p:txBody>
+          <a:bodyPr wrap="square" rtlCol="0">
+            <a:spAutoFit/>
+          </a:bodyPr>
+          <a:lstStyle>
+            <a:defPPr>
+              <a:defRPr lang="en-US"/>
+            </a:defPPr>
+            <a:lvl1pPr algn="ctr">
+              <a:defRPr b="1"/>
+            </a:lvl1pPr>
+          </a:lstStyle>
+          <a:p>
+            <a:r>
+              <a:rPr lang="en-US" dirty="0"/>
+              <a:t>Analytical preparation</a:t>
+            </a:r>
+          </a:p>
+        </p:txBody>
+      </p:sp>
+      <p:cxnSp>
+        <p:nvCxnSpPr>
+          <p:cNvPr id="93" name="Straight Arrow Connector 92">
+            <a:extLst>
+              <a:ext uri="{FF2B5EF4-FFF2-40B4-BE49-F238E27FC236}">
+                <a16:creationId xmlns:a16="http://schemas.microsoft.com/office/drawing/2014/main" id="{A489A4FB-D02B-40DA-86B7-0834F96F37D6}"/>
+              </a:ext>
+            </a:extLst>
+          </p:cNvPr>
+          <p:cNvCxnSpPr>
+            <a:cxnSpLocks/>
+            <a:stCxn id="90" idx="1"/>
+            <a:endCxn id="3" idx="0"/>
+          </p:cNvCxnSpPr>
+          <p:nvPr/>
+        </p:nvCxnSpPr>
+        <p:spPr>
+          <a:xfrm flipH="1">
+            <a:off x="6734385" y="3578418"/>
+            <a:ext cx="793061" cy="709956"/>
+          </a:xfrm>
+          <a:prstGeom prst="straightConnector1">
+            <a:avLst/>
+          </a:prstGeom>
+          <a:ln w="57150">
+            <a:solidFill>
+              <a:srgbClr val="00B050"/>
+            </a:solidFill>
+            <a:headEnd type="none" w="med" len="med"/>
+            <a:tailEnd type="triangle" w="med" len="med"/>
+          </a:ln>
+        </p:spPr>
+        <p:style>
+          <a:lnRef idx="1">
+            <a:schemeClr val="accent1"/>
+          </a:lnRef>
+          <a:fillRef idx="0">
+            <a:schemeClr val="accent1"/>
+          </a:fillRef>
+          <a:effectRef idx="0">
+            <a:schemeClr val="accent1"/>
+          </a:effectRef>
+          <a:fontRef idx="minor">
+            <a:schemeClr val="tx1"/>
+          </a:fontRef>
+        </p:style>
+      </p:cxnSp>
+      <p:cxnSp>
+        <p:nvCxnSpPr>
+          <p:cNvPr id="95" name="Straight Arrow Connector 94">
+            <a:extLst>
+              <a:ext uri="{FF2B5EF4-FFF2-40B4-BE49-F238E27FC236}">
+                <a16:creationId xmlns:a16="http://schemas.microsoft.com/office/drawing/2014/main" id="{2AE6441D-7BF9-4081-9CE2-645562767ED9}"/>
+              </a:ext>
+            </a:extLst>
+          </p:cNvPr>
+          <p:cNvCxnSpPr>
+            <a:cxnSpLocks/>
+            <a:stCxn id="90" idx="2"/>
+            <a:endCxn id="33" idx="0"/>
+          </p:cNvCxnSpPr>
+          <p:nvPr/>
+        </p:nvCxnSpPr>
+        <p:spPr>
+          <a:xfrm>
+            <a:off x="8345214" y="3906519"/>
+            <a:ext cx="43593" cy="300277"/>
+          </a:xfrm>
+          <a:prstGeom prst="straightConnector1">
+            <a:avLst/>
+          </a:prstGeom>
+          <a:ln w="57150">
+            <a:solidFill>
+              <a:srgbClr val="FF0000"/>
+            </a:solidFill>
+            <a:prstDash val="sysDash"/>
+            <a:headEnd type="none" w="med" len="med"/>
+            <a:tailEnd type="triangle" w="med" len="med"/>
+          </a:ln>
+        </p:spPr>
+        <p:style>
+          <a:lnRef idx="1">
+            <a:schemeClr val="accent1"/>
+          </a:lnRef>
+          <a:fillRef idx="0">
+            <a:schemeClr val="accent1"/>
+          </a:fillRef>
+          <a:effectRef idx="0">
+            <a:schemeClr val="accent1"/>
+          </a:effectRef>
+          <a:fontRef idx="minor">
+            <a:schemeClr val="tx1"/>
+          </a:fontRef>
+        </p:style>
+      </p:cxnSp>
     </p:spTree>
     <p:extLst>
       <p:ext uri="{BB962C8B-B14F-4D97-AF65-F5344CB8AC3E}">
